--- a/BaoCaoEVDict/Slide/BaoCao.pptx
+++ b/BaoCaoEVDict/Slide/BaoCao.pptx
@@ -2240,19 +2240,7 @@
                 <a:ea typeface="+mn-ea"/>
                 <a:cs typeface="+mn-cs"/>
               </a:rPr>
-              <a:t>Tính </a:t>
-            </a:r>
-            <a:r>
-              <a:rPr lang="en-US" sz="1200" kern="1200" smtClean="0">
-                <a:solidFill>
-                  <a:schemeClr val="tx1"/>
-                </a:solidFill>
-                <a:effectLst/>
-                <a:latin typeface="+mn-lt"/>
-                <a:ea typeface="+mn-ea"/>
-                <a:cs typeface="+mn-cs"/>
-              </a:rPr>
-              <a:t>trừu tượng</a:t>
+              <a:t>Tính trừu tượng</a:t>
             </a:r>
             <a:endParaRPr lang="vi-VN" sz="1200" kern="1200" smtClean="0">
               <a:solidFill>
@@ -2279,19 +2267,7 @@
                 <a:ea typeface="+mn-ea"/>
                 <a:cs typeface="+mn-cs"/>
               </a:rPr>
-              <a:t>Tính </a:t>
-            </a:r>
-            <a:r>
-              <a:rPr lang="en-US" sz="1200" kern="1200" smtClean="0">
-                <a:solidFill>
-                  <a:schemeClr val="tx1"/>
-                </a:solidFill>
-                <a:effectLst/>
-                <a:latin typeface="+mn-lt"/>
-                <a:ea typeface="+mn-ea"/>
-                <a:cs typeface="+mn-cs"/>
-              </a:rPr>
-              <a:t>đóng gói</a:t>
+              <a:t>Tính đóng gói</a:t>
             </a:r>
             <a:endParaRPr lang="vi-VN" sz="1200" kern="1200" smtClean="0">
               <a:solidFill>
@@ -2318,19 +2294,7 @@
                 <a:ea typeface="+mn-ea"/>
                 <a:cs typeface="+mn-cs"/>
               </a:rPr>
-              <a:t>Tính </a:t>
-            </a:r>
-            <a:r>
-              <a:rPr lang="en-US" sz="1200" kern="1200" smtClean="0">
-                <a:solidFill>
-                  <a:schemeClr val="tx1"/>
-                </a:solidFill>
-                <a:effectLst/>
-                <a:latin typeface="+mn-lt"/>
-                <a:ea typeface="+mn-ea"/>
-                <a:cs typeface="+mn-cs"/>
-              </a:rPr>
-              <a:t>kế thừa</a:t>
+              <a:t>Tính kế thừa</a:t>
             </a:r>
             <a:endParaRPr lang="vi-VN" sz="1200" kern="1200" smtClean="0">
               <a:solidFill>
@@ -2357,10 +2321,12 @@
                 <a:ea typeface="+mn-ea"/>
                 <a:cs typeface="+mn-cs"/>
               </a:rPr>
-              <a:t> </a:t>
-            </a:r>
-            <a:r>
-              <a:rPr lang="en-US" sz="1200" kern="1200" smtClean="0">
+              <a:t> Tính đa hình</a:t>
+            </a:r>
+          </a:p>
+          <a:p>
+            <a:r>
+              <a:rPr lang="vi-VN" sz="1200" kern="1200" smtClean="0">
                 <a:solidFill>
                   <a:schemeClr val="tx1"/>
                 </a:solidFill>
@@ -2369,10 +2335,14 @@
                 <a:ea typeface="+mn-ea"/>
                 <a:cs typeface="+mn-cs"/>
               </a:rPr>
-              <a:t>Tính đa hình</a:t>
-            </a:r>
-          </a:p>
-          <a:p>
+              <a:t>- C++ chuẩn gồm 3 phần quan trọng:</a:t>
+            </a:r>
+          </a:p>
+          <a:p>
+            <a:pPr marL="171450" lvl="0" indent="-171450">
+              <a:buFont typeface="Arial" panose="020B0604020202020204" pitchFamily="34" charset="0"/>
+              <a:buChar char="•"/>
+            </a:pPr>
             <a:r>
               <a:rPr lang="vi-VN" sz="1200" kern="1200" smtClean="0">
                 <a:solidFill>
@@ -2383,7 +2353,7 @@
                 <a:ea typeface="+mn-ea"/>
                 <a:cs typeface="+mn-cs"/>
               </a:rPr>
-              <a:t>- C++ chuẩn gồm 3 phần quan trọng:</a:t>
+              <a:t>Core Language cung cấp tất cả các khối bao gồm biến, kiểu dữ liệu (data type) và literals, …</a:t>
             </a:r>
           </a:p>
           <a:p>
@@ -2401,8 +2371,14 @@
                 <a:ea typeface="+mn-ea"/>
                 <a:cs typeface="+mn-cs"/>
               </a:rPr>
-              <a:t>Core </a:t>
-            </a:r>
+              <a:t>Thư viện chuẩn C++ (C++ Standard Library) cung cấp tập hợp hàm đa dạng để thao tác file, string, …</a:t>
+            </a:r>
+          </a:p>
+          <a:p>
+            <a:pPr marL="171450" lvl="0" indent="-171450">
+              <a:buFont typeface="Arial" panose="020B0604020202020204" pitchFamily="34" charset="0"/>
+              <a:buChar char="•"/>
+            </a:pPr>
             <a:r>
               <a:rPr lang="vi-VN" sz="1200" kern="1200" smtClean="0">
                 <a:solidFill>
@@ -2413,67 +2389,7 @@
                 <a:ea typeface="+mn-ea"/>
                 <a:cs typeface="+mn-cs"/>
               </a:rPr>
-              <a:t>Language cung cấp tất cả các khối bao gồm biến, kiểu dữ liệu (data type) và literals, …</a:t>
-            </a:r>
-          </a:p>
-          <a:p>
-            <a:pPr marL="171450" lvl="0" indent="-171450">
-              <a:buFont typeface="Arial" panose="020B0604020202020204" pitchFamily="34" charset="0"/>
-              <a:buChar char="•"/>
-            </a:pPr>
-            <a:r>
-              <a:rPr lang="vi-VN" sz="1200" kern="1200" smtClean="0">
-                <a:solidFill>
-                  <a:schemeClr val="tx1"/>
-                </a:solidFill>
-                <a:effectLst/>
-                <a:latin typeface="+mn-lt"/>
-                <a:ea typeface="+mn-ea"/>
-                <a:cs typeface="+mn-cs"/>
-              </a:rPr>
-              <a:t>Thư </a:t>
-            </a:r>
-            <a:r>
-              <a:rPr lang="vi-VN" sz="1200" kern="1200" smtClean="0">
-                <a:solidFill>
-                  <a:schemeClr val="tx1"/>
-                </a:solidFill>
-                <a:effectLst/>
-                <a:latin typeface="+mn-lt"/>
-                <a:ea typeface="+mn-ea"/>
-                <a:cs typeface="+mn-cs"/>
-              </a:rPr>
-              <a:t>viện chuẩn C++ (C++ Standard Library) cung cấp tập hợp hàm đa dạng để thao tác file, string, …</a:t>
-            </a:r>
-          </a:p>
-          <a:p>
-            <a:pPr marL="171450" lvl="0" indent="-171450">
-              <a:buFont typeface="Arial" panose="020B0604020202020204" pitchFamily="34" charset="0"/>
-              <a:buChar char="•"/>
-            </a:pPr>
-            <a:r>
-              <a:rPr lang="vi-VN" sz="1200" kern="1200" smtClean="0">
-                <a:solidFill>
-                  <a:schemeClr val="tx1"/>
-                </a:solidFill>
-                <a:effectLst/>
-                <a:latin typeface="+mn-lt"/>
-                <a:ea typeface="+mn-ea"/>
-                <a:cs typeface="+mn-cs"/>
-              </a:rPr>
-              <a:t>Standard </a:t>
-            </a:r>
-            <a:r>
-              <a:rPr lang="vi-VN" sz="1200" kern="1200" smtClean="0">
-                <a:solidFill>
-                  <a:schemeClr val="tx1"/>
-                </a:solidFill>
-                <a:effectLst/>
-                <a:latin typeface="+mn-lt"/>
-                <a:ea typeface="+mn-ea"/>
-                <a:cs typeface="+mn-cs"/>
-              </a:rPr>
-              <a:t>Template Library (STL) cung cấp tập hợp phương thức đa dạng để thao tác cấu trúc dữ liệu, …</a:t>
+              <a:t>Standard Template Library (STL) cung cấp tập hợp phương thức đa dạng để thao tác cấu trúc dữ liệu, …</a:t>
             </a:r>
           </a:p>
           <a:p>
@@ -2634,8 +2550,14 @@
                 <a:ea typeface="+mn-ea"/>
                 <a:cs typeface="+mn-cs"/>
               </a:rPr>
-              <a:t>: tương tự như hàm main() (trong Dos hoặc UNIX) khởi tạo chương trình ứng dụng. Có 2 nhiệm vụ </a:t>
-            </a:r>
+              <a:t>: tương tự như hàm main() (trong Dos hoặc UNIX) khởi tạo chương trình ứng dụng. Có 2 nhiệm vụ chính:</a:t>
+            </a:r>
+          </a:p>
+          <a:p>
+            <a:pPr marL="171450" indent="-171450">
+              <a:buFont typeface="Arial" panose="020B0604020202020204" pitchFamily="34" charset="0"/>
+              <a:buChar char="•"/>
+            </a:pPr>
             <a:r>
               <a:rPr lang="vi-VN" sz="1200" b="0" i="0" kern="1200" smtClean="0">
                 <a:solidFill>
@@ -2646,14 +2568,15 @@
                 <a:ea typeface="+mn-ea"/>
                 <a:cs typeface="+mn-cs"/>
               </a:rPr>
-              <a:t>chính:</a:t>
-            </a:r>
-          </a:p>
-          <a:p>
-            <a:pPr marL="171450" indent="-171450">
-              <a:buFont typeface="Arial" panose="020B0604020202020204" pitchFamily="34" charset="0"/>
-              <a:buChar char="•"/>
-            </a:pPr>
+              <a:t>Hiển thị cửa sổ ứng dụng lên màn hình</a:t>
+            </a:r>
+            <a:r>
+              <a:rPr lang="vi-VN" smtClean="0"/>
+              <a:t/>
+            </a:r>
+            <a:br>
+              <a:rPr lang="vi-VN" smtClean="0"/>
+            </a:br>
             <a:r>
               <a:rPr lang="vi-VN" sz="1200" b="0" i="0" kern="1200" smtClean="0">
                 <a:solidFill>
@@ -2664,50 +2587,7 @@
                 <a:ea typeface="+mn-ea"/>
                 <a:cs typeface="+mn-cs"/>
               </a:rPr>
-              <a:t>Hiển </a:t>
-            </a:r>
-            <a:r>
-              <a:rPr lang="vi-VN" sz="1200" b="0" i="0" kern="1200" smtClean="0">
-                <a:solidFill>
-                  <a:schemeClr val="tx1"/>
-                </a:solidFill>
-                <a:effectLst/>
-                <a:latin typeface="+mn-lt"/>
-                <a:ea typeface="+mn-ea"/>
-                <a:cs typeface="+mn-cs"/>
-              </a:rPr>
-              <a:t>thị cửa sổ ứng dụng lên màn hình</a:t>
-            </a:r>
-            <a:r>
-              <a:rPr lang="vi-VN" smtClean="0"/>
-              <a:t/>
-            </a:r>
-            <a:br>
-              <a:rPr lang="vi-VN" smtClean="0"/>
-            </a:br>
-            <a:r>
-              <a:rPr lang="vi-VN" sz="1200" b="0" i="0" kern="1200" smtClean="0">
-                <a:solidFill>
-                  <a:schemeClr val="tx1"/>
-                </a:solidFill>
-                <a:effectLst/>
-                <a:latin typeface="+mn-lt"/>
-                <a:ea typeface="+mn-ea"/>
-                <a:cs typeface="+mn-cs"/>
-              </a:rPr>
-              <a:t>Tiến </a:t>
-            </a:r>
-            <a:r>
-              <a:rPr lang="vi-VN" sz="1200" b="0" i="0" kern="1200" smtClean="0">
-                <a:solidFill>
-                  <a:schemeClr val="tx1"/>
-                </a:solidFill>
-                <a:effectLst/>
-                <a:latin typeface="+mn-lt"/>
-                <a:ea typeface="+mn-ea"/>
-                <a:cs typeface="+mn-cs"/>
-              </a:rPr>
-              <a:t>hành vòng lặp Message</a:t>
+              <a:t>Tiến hành vòng lặp Message</a:t>
             </a:r>
           </a:p>
           <a:p>
@@ -2794,8 +2674,14 @@
                 <a:ea typeface="+mn-ea"/>
                 <a:cs typeface="+mn-cs"/>
               </a:rPr>
-              <a:t>WM_COMMAND</a:t>
-            </a:r>
+              <a:t>WM_COMMAND :Khi lựa chọn các item trong popup menu</a:t>
+            </a:r>
+          </a:p>
+          <a:p>
+            <a:pPr marL="171450" indent="-171450">
+              <a:buFont typeface="Arial" panose="020B0604020202020204" pitchFamily="34" charset="0"/>
+              <a:buChar char="•"/>
+            </a:pPr>
             <a:r>
               <a:rPr lang="vi-VN" sz="1200" b="0" i="0" kern="1200" smtClean="0">
                 <a:solidFill>
@@ -2806,8 +2692,15 @@
                 <a:ea typeface="+mn-ea"/>
                 <a:cs typeface="+mn-cs"/>
               </a:rPr>
-              <a:t> :Khi lựa chọn các item trong popup </a:t>
-            </a:r>
+              <a:t>WM_PAINT : Khi windows được vẽ lại</a:t>
+            </a:r>
+            <a:r>
+              <a:rPr lang="vi-VN" smtClean="0"/>
+              <a:t/>
+            </a:r>
+            <a:br>
+              <a:rPr lang="vi-VN" smtClean="0"/>
+            </a:br>
             <a:r>
               <a:rPr lang="vi-VN" sz="1200" b="0" i="0" kern="1200" smtClean="0">
                 <a:solidFill>
@@ -2818,68 +2711,7 @@
                 <a:ea typeface="+mn-ea"/>
                 <a:cs typeface="+mn-cs"/>
               </a:rPr>
-              <a:t>menu</a:t>
-            </a:r>
-          </a:p>
-          <a:p>
-            <a:pPr marL="171450" indent="-171450">
-              <a:buFont typeface="Arial" panose="020B0604020202020204" pitchFamily="34" charset="0"/>
-              <a:buChar char="•"/>
-            </a:pPr>
-            <a:r>
-              <a:rPr lang="vi-VN" sz="1200" b="0" i="0" kern="1200" smtClean="0">
-                <a:solidFill>
-                  <a:schemeClr val="tx1"/>
-                </a:solidFill>
-                <a:effectLst/>
-                <a:latin typeface="+mn-lt"/>
-                <a:ea typeface="+mn-ea"/>
-                <a:cs typeface="+mn-cs"/>
-              </a:rPr>
-              <a:t>WM_PAINT</a:t>
-            </a:r>
-            <a:r>
-              <a:rPr lang="vi-VN" sz="1200" b="0" i="0" kern="1200" smtClean="0">
-                <a:solidFill>
-                  <a:schemeClr val="tx1"/>
-                </a:solidFill>
-                <a:effectLst/>
-                <a:latin typeface="+mn-lt"/>
-                <a:ea typeface="+mn-ea"/>
-                <a:cs typeface="+mn-cs"/>
-              </a:rPr>
-              <a:t> : Khi windows được vẽ lại</a:t>
-            </a:r>
-            <a:r>
-              <a:rPr lang="vi-VN" smtClean="0"/>
-              <a:t/>
-            </a:r>
-            <a:br>
-              <a:rPr lang="vi-VN" smtClean="0"/>
-            </a:br>
-            <a:r>
-              <a:rPr lang="vi-VN" sz="1200" b="0" i="0" kern="1200" smtClean="0">
-                <a:solidFill>
-                  <a:schemeClr val="tx1"/>
-                </a:solidFill>
-                <a:effectLst/>
-                <a:latin typeface="+mn-lt"/>
-                <a:ea typeface="+mn-ea"/>
-                <a:cs typeface="+mn-cs"/>
-              </a:rPr>
-              <a:t>WM_QUIT</a:t>
-            </a:r>
-            <a:r>
-              <a:rPr lang="vi-VN" sz="1200" b="0" i="0" kern="1200" smtClean="0">
-                <a:solidFill>
-                  <a:schemeClr val="tx1"/>
-                </a:solidFill>
-                <a:effectLst/>
-                <a:latin typeface="+mn-lt"/>
-                <a:ea typeface="+mn-ea"/>
-                <a:cs typeface="+mn-cs"/>
-              </a:rPr>
-              <a:t>: Khi close windows</a:t>
+              <a:t>WM_QUIT: Khi close windows</a:t>
             </a:r>
             <a:endParaRPr lang="en-US" sz="1200" b="0" i="0" kern="1200" smtClean="0">
               <a:solidFill>
@@ -2906,19 +2738,7 @@
                 <a:ea typeface="+mn-ea"/>
                 <a:cs typeface="+mn-cs"/>
               </a:rPr>
-              <a:t>WM_HOTKEY</a:t>
-            </a:r>
-            <a:r>
-              <a:rPr lang="en-US" sz="1200" b="0" i="0" kern="1200" smtClean="0">
-                <a:solidFill>
-                  <a:schemeClr val="tx1"/>
-                </a:solidFill>
-                <a:effectLst/>
-                <a:latin typeface="+mn-lt"/>
-                <a:ea typeface="+mn-ea"/>
-                <a:cs typeface="+mn-cs"/>
-              </a:rPr>
-              <a:t>:</a:t>
+              <a:t>WM_HOTKEY:</a:t>
             </a:r>
             <a:r>
               <a:rPr lang="en-US" sz="1200" b="0" i="0" kern="1200" baseline="0" smtClean="0">
@@ -12894,17 +12714,8 @@
               <a:rPr lang="en-US" smtClean="0">
                 <a:cs typeface="Calibri" panose="020F0502020204030204" pitchFamily="34" charset="0"/>
               </a:rPr>
-              <a:t>Mở </a:t>
-            </a:r>
-            <a:r>
-              <a:rPr lang="en-US" smtClean="0">
-                <a:cs typeface="Calibri" panose="020F0502020204030204" pitchFamily="34" charset="0"/>
-              </a:rPr>
-              <a:t>lại file và ghi đè nội dung lên file đó.</a:t>
-            </a:r>
-            <a:endParaRPr lang="en-US" smtClean="0">
-              <a:cs typeface="Calibri" panose="020F0502020204030204" pitchFamily="34" charset="0"/>
-            </a:endParaRPr>
+              <a:t>Mở lại file và ghi đè nội dung lên file đó.</a:t>
+            </a:r>
           </a:p>
         </p:txBody>
       </p:sp>
@@ -13786,19 +13597,7 @@
               <a:rPr lang="en-US" b="1" smtClean="0">
                 <a:cs typeface="Calibri" panose="020F0502020204030204" pitchFamily="34" charset="0"/>
               </a:rPr>
-              <a:t>Lập trình các </a:t>
-            </a:r>
-            <a:r>
-              <a:rPr lang="en-US" b="1" smtClean="0">
-                <a:cs typeface="Calibri" panose="020F0502020204030204" pitchFamily="34" charset="0"/>
-              </a:rPr>
-              <a:t>hotkey </a:t>
-            </a:r>
-            <a:r>
-              <a:rPr lang="en-US" b="1" smtClean="0">
-                <a:cs typeface="Calibri" panose="020F0502020204030204" pitchFamily="34" charset="0"/>
-              </a:rPr>
-              <a:t>(tổ hợp phím)</a:t>
+              <a:t>Lập trình các hotkey (tổ hợp phím)</a:t>
             </a:r>
             <a:endParaRPr lang="vi-VN" b="1">
               <a:cs typeface="Calibri" panose="020F0502020204030204" pitchFamily="34" charset="0"/>
@@ -14291,19 +14090,7 @@
               <a:rPr lang="en-US" smtClean="0">
                 <a:cs typeface="Calibri" panose="020F0502020204030204" pitchFamily="34" charset="0"/>
               </a:rPr>
-              <a:t>Các tính năng có nhiều </a:t>
-            </a:r>
-            <a:r>
-              <a:rPr lang="en-US" smtClean="0">
-                <a:cs typeface="Calibri" panose="020F0502020204030204" pitchFamily="34" charset="0"/>
-              </a:rPr>
-              <a:t>cách </a:t>
-            </a:r>
-            <a:r>
-              <a:rPr lang="en-US" smtClean="0">
-                <a:cs typeface="Calibri" panose="020F0502020204030204" pitchFamily="34" charset="0"/>
-              </a:rPr>
-              <a:t>để thực hiện: trên Menubar, giao diện chính hoặc phím tắt (tổ hợp phím).</a:t>
+              <a:t>Các tính năng có nhiều cách để thực hiện: trên Menubar, giao diện chính hoặc phím tắt (tổ hợp phím).</a:t>
             </a:r>
             <a:endParaRPr lang="vi-VN">
               <a:cs typeface="Calibri" panose="020F0502020204030204" pitchFamily="34" charset="0"/>
@@ -14798,31 +14585,7 @@
               <a:rPr lang="en-US" smtClean="0">
                 <a:cs typeface="Calibri" panose="020F0502020204030204" pitchFamily="34" charset="0"/>
               </a:rPr>
-              <a:t>Mã hóa dữ liệu, </a:t>
-            </a:r>
-            <a:r>
-              <a:rPr lang="en-US" smtClean="0">
-                <a:cs typeface="Calibri" panose="020F0502020204030204" pitchFamily="34" charset="0"/>
-              </a:rPr>
-              <a:t>sử dụng cơ </a:t>
-            </a:r>
-            <a:r>
-              <a:rPr lang="en-US" smtClean="0">
-                <a:cs typeface="Calibri" panose="020F0502020204030204" pitchFamily="34" charset="0"/>
-              </a:rPr>
-              <a:t>sở dữ </a:t>
-            </a:r>
-            <a:r>
-              <a:rPr lang="en-US" smtClean="0">
-                <a:cs typeface="Calibri" panose="020F0502020204030204" pitchFamily="34" charset="0"/>
-              </a:rPr>
-              <a:t>liệu có thể bằng cách </a:t>
-            </a:r>
-            <a:r>
-              <a:rPr lang="en-US" smtClean="0">
-                <a:cs typeface="Calibri" panose="020F0502020204030204" pitchFamily="34" charset="0"/>
-              </a:rPr>
-              <a:t>lưu trên server.</a:t>
+              <a:t>Mã hóa dữ liệu, sử dụng cơ sở dữ liệu có thể bằng cách lưu trên server.</a:t>
             </a:r>
             <a:endParaRPr lang="vi-VN">
               <a:cs typeface="Calibri" panose="020F0502020204030204" pitchFamily="34" charset="0"/>
@@ -15172,11 +14935,6 @@
               </a:rPr>
               <a:t>Phụ lục và tài liệu tham khảo</a:t>
             </a:r>
-            <a:endParaRPr lang="en-US" sz="2400" b="1" smtClean="0">
-              <a:solidFill>
-                <a:schemeClr val="bg1"/>
-              </a:solidFill>
-            </a:endParaRPr>
           </a:p>
         </p:txBody>
       </p:sp>
@@ -15316,14 +15074,7 @@
                 <a:latin typeface="Calibri" panose="020F0502020204030204" pitchFamily="34" charset="0"/>
                 <a:cs typeface="Calibri" panose="020F0502020204030204" pitchFamily="34" charset="0"/>
               </a:rPr>
-              <a:t>Kỹ thuật lập trình C cơ bản và nâng cao, GS. Phạm Văn Ất, Giao thông vận tải, 2015, 430 </a:t>
-            </a:r>
-            <a:r>
-              <a:rPr lang="vi-VN">
-                <a:latin typeface="Calibri" panose="020F0502020204030204" pitchFamily="34" charset="0"/>
-                <a:cs typeface="Calibri" panose="020F0502020204030204" pitchFamily="34" charset="0"/>
-              </a:rPr>
-              <a:t>trang</a:t>
+              <a:t>Kỹ thuật lập trình C cơ bản và nâng cao, GS. Phạm Văn Ất, Giao thông vận tải, 2015, 430 trang</a:t>
             </a:r>
             <a:r>
               <a:rPr lang="vi-VN" smtClean="0">
@@ -15360,14 +15111,7 @@
                 <a:latin typeface="Calibri" panose="020F0502020204030204" pitchFamily="34" charset="0"/>
                 <a:cs typeface="Calibri" panose="020F0502020204030204" pitchFamily="34" charset="0"/>
               </a:rPr>
-              <a:t>The C++ Programming Language, Bjarne Stroustrup, Addsion – Wesley, 1997, 1022 </a:t>
-            </a:r>
-            <a:r>
-              <a:rPr lang="en-US">
-                <a:latin typeface="Calibri" panose="020F0502020204030204" pitchFamily="34" charset="0"/>
-                <a:cs typeface="Calibri" panose="020F0502020204030204" pitchFamily="34" charset="0"/>
-              </a:rPr>
-              <a:t>pages</a:t>
+              <a:t>The C++ Programming Language, Bjarne Stroustrup, Addsion – Wesley, 1997, 1022 pages</a:t>
             </a:r>
             <a:r>
               <a:rPr lang="en-US" smtClean="0">
@@ -17123,9 +16867,321 @@
   <p:timing>
     <p:tnLst>
       <p:par>
-        <p:cTn id="1" dur="indefinite" restart="never" nodeType="tmRoot"/>
+        <p:cTn id="1" dur="indefinite" restart="never" nodeType="tmRoot">
+          <p:childTnLst>
+            <p:seq concurrent="1" nextAc="seek">
+              <p:cTn id="2" dur="indefinite" nodeType="mainSeq">
+                <p:childTnLst>
+                  <p:par>
+                    <p:cTn id="3" fill="hold">
+                      <p:stCondLst>
+                        <p:cond delay="indefinite"/>
+                      </p:stCondLst>
+                      <p:childTnLst>
+                        <p:par>
+                          <p:cTn id="4" fill="hold">
+                            <p:stCondLst>
+                              <p:cond delay="0"/>
+                            </p:stCondLst>
+                            <p:childTnLst>
+                              <p:par>
+                                <p:cTn id="5" presetID="16" presetClass="entr" presetSubtype="21" fill="hold" grpId="0" nodeType="clickEffect">
+                                  <p:stCondLst>
+                                    <p:cond delay="0"/>
+                                  </p:stCondLst>
+                                  <p:childTnLst>
+                                    <p:set>
+                                      <p:cBhvr>
+                                        <p:cTn id="6" dur="1" fill="hold">
+                                          <p:stCondLst>
+                                            <p:cond delay="0"/>
+                                          </p:stCondLst>
+                                        </p:cTn>
+                                        <p:tgtEl>
+                                          <p:spTgt spid="18"/>
+                                        </p:tgtEl>
+                                        <p:attrNameLst>
+                                          <p:attrName>style.visibility</p:attrName>
+                                        </p:attrNameLst>
+                                      </p:cBhvr>
+                                      <p:to>
+                                        <p:strVal val="visible"/>
+                                      </p:to>
+                                    </p:set>
+                                    <p:animEffect transition="in" filter="barn(inVertical)">
+                                      <p:cBhvr>
+                                        <p:cTn id="7" dur="500"/>
+                                        <p:tgtEl>
+                                          <p:spTgt spid="18"/>
+                                        </p:tgtEl>
+                                      </p:cBhvr>
+                                    </p:animEffect>
+                                  </p:childTnLst>
+                                </p:cTn>
+                              </p:par>
+                              <p:par>
+                                <p:cTn id="8" presetID="16" presetClass="entr" presetSubtype="21" fill="hold" grpId="0" nodeType="withEffect">
+                                  <p:stCondLst>
+                                    <p:cond delay="0"/>
+                                  </p:stCondLst>
+                                  <p:childTnLst>
+                                    <p:set>
+                                      <p:cBhvr>
+                                        <p:cTn id="9" dur="1" fill="hold">
+                                          <p:stCondLst>
+                                            <p:cond delay="0"/>
+                                          </p:stCondLst>
+                                        </p:cTn>
+                                        <p:tgtEl>
+                                          <p:spTgt spid="20"/>
+                                        </p:tgtEl>
+                                        <p:attrNameLst>
+                                          <p:attrName>style.visibility</p:attrName>
+                                        </p:attrNameLst>
+                                      </p:cBhvr>
+                                      <p:to>
+                                        <p:strVal val="visible"/>
+                                      </p:to>
+                                    </p:set>
+                                    <p:animEffect transition="in" filter="barn(inVertical)">
+                                      <p:cBhvr>
+                                        <p:cTn id="10" dur="500"/>
+                                        <p:tgtEl>
+                                          <p:spTgt spid="20"/>
+                                        </p:tgtEl>
+                                      </p:cBhvr>
+                                    </p:animEffect>
+                                  </p:childTnLst>
+                                </p:cTn>
+                              </p:par>
+                              <p:par>
+                                <p:cTn id="11" presetID="16" presetClass="entr" presetSubtype="21" fill="hold" grpId="0" nodeType="withEffect">
+                                  <p:stCondLst>
+                                    <p:cond delay="0"/>
+                                  </p:stCondLst>
+                                  <p:childTnLst>
+                                    <p:set>
+                                      <p:cBhvr>
+                                        <p:cTn id="12" dur="1" fill="hold">
+                                          <p:stCondLst>
+                                            <p:cond delay="0"/>
+                                          </p:stCondLst>
+                                        </p:cTn>
+                                        <p:tgtEl>
+                                          <p:spTgt spid="23"/>
+                                        </p:tgtEl>
+                                        <p:attrNameLst>
+                                          <p:attrName>style.visibility</p:attrName>
+                                        </p:attrNameLst>
+                                      </p:cBhvr>
+                                      <p:to>
+                                        <p:strVal val="visible"/>
+                                      </p:to>
+                                    </p:set>
+                                    <p:animEffect transition="in" filter="barn(inVertical)">
+                                      <p:cBhvr>
+                                        <p:cTn id="13" dur="500"/>
+                                        <p:tgtEl>
+                                          <p:spTgt spid="23"/>
+                                        </p:tgtEl>
+                                      </p:cBhvr>
+                                    </p:animEffect>
+                                  </p:childTnLst>
+                                </p:cTn>
+                              </p:par>
+                              <p:par>
+                                <p:cTn id="14" presetID="16" presetClass="entr" presetSubtype="21" fill="hold" grpId="0" nodeType="withEffect">
+                                  <p:stCondLst>
+                                    <p:cond delay="0"/>
+                                  </p:stCondLst>
+                                  <p:childTnLst>
+                                    <p:set>
+                                      <p:cBhvr>
+                                        <p:cTn id="15" dur="1" fill="hold">
+                                          <p:stCondLst>
+                                            <p:cond delay="0"/>
+                                          </p:stCondLst>
+                                        </p:cTn>
+                                        <p:tgtEl>
+                                          <p:spTgt spid="24"/>
+                                        </p:tgtEl>
+                                        <p:attrNameLst>
+                                          <p:attrName>style.visibility</p:attrName>
+                                        </p:attrNameLst>
+                                      </p:cBhvr>
+                                      <p:to>
+                                        <p:strVal val="visible"/>
+                                      </p:to>
+                                    </p:set>
+                                    <p:animEffect transition="in" filter="barn(inVertical)">
+                                      <p:cBhvr>
+                                        <p:cTn id="16" dur="500"/>
+                                        <p:tgtEl>
+                                          <p:spTgt spid="24"/>
+                                        </p:tgtEl>
+                                      </p:cBhvr>
+                                    </p:animEffect>
+                                  </p:childTnLst>
+                                </p:cTn>
+                              </p:par>
+                              <p:par>
+                                <p:cTn id="17" presetID="16" presetClass="entr" presetSubtype="21" fill="hold" grpId="0" nodeType="withEffect">
+                                  <p:stCondLst>
+                                    <p:cond delay="0"/>
+                                  </p:stCondLst>
+                                  <p:childTnLst>
+                                    <p:set>
+                                      <p:cBhvr>
+                                        <p:cTn id="18" dur="1" fill="hold">
+                                          <p:stCondLst>
+                                            <p:cond delay="0"/>
+                                          </p:stCondLst>
+                                        </p:cTn>
+                                        <p:tgtEl>
+                                          <p:spTgt spid="27"/>
+                                        </p:tgtEl>
+                                        <p:attrNameLst>
+                                          <p:attrName>style.visibility</p:attrName>
+                                        </p:attrNameLst>
+                                      </p:cBhvr>
+                                      <p:to>
+                                        <p:strVal val="visible"/>
+                                      </p:to>
+                                    </p:set>
+                                    <p:animEffect transition="in" filter="barn(inVertical)">
+                                      <p:cBhvr>
+                                        <p:cTn id="19" dur="500"/>
+                                        <p:tgtEl>
+                                          <p:spTgt spid="27"/>
+                                        </p:tgtEl>
+                                      </p:cBhvr>
+                                    </p:animEffect>
+                                  </p:childTnLst>
+                                </p:cTn>
+                              </p:par>
+                              <p:par>
+                                <p:cTn id="20" presetID="16" presetClass="entr" presetSubtype="21" fill="hold" grpId="0" nodeType="withEffect">
+                                  <p:stCondLst>
+                                    <p:cond delay="0"/>
+                                  </p:stCondLst>
+                                  <p:childTnLst>
+                                    <p:set>
+                                      <p:cBhvr>
+                                        <p:cTn id="21" dur="1" fill="hold">
+                                          <p:stCondLst>
+                                            <p:cond delay="0"/>
+                                          </p:stCondLst>
+                                        </p:cTn>
+                                        <p:tgtEl>
+                                          <p:spTgt spid="28"/>
+                                        </p:tgtEl>
+                                        <p:attrNameLst>
+                                          <p:attrName>style.visibility</p:attrName>
+                                        </p:attrNameLst>
+                                      </p:cBhvr>
+                                      <p:to>
+                                        <p:strVal val="visible"/>
+                                      </p:to>
+                                    </p:set>
+                                    <p:animEffect transition="in" filter="barn(inVertical)">
+                                      <p:cBhvr>
+                                        <p:cTn id="22" dur="500"/>
+                                        <p:tgtEl>
+                                          <p:spTgt spid="28"/>
+                                        </p:tgtEl>
+                                      </p:cBhvr>
+                                    </p:animEffect>
+                                  </p:childTnLst>
+                                </p:cTn>
+                              </p:par>
+                            </p:childTnLst>
+                          </p:cTn>
+                        </p:par>
+                      </p:childTnLst>
+                    </p:cTn>
+                  </p:par>
+                  <p:par>
+                    <p:cTn id="23" fill="hold">
+                      <p:stCondLst>
+                        <p:cond delay="indefinite"/>
+                      </p:stCondLst>
+                      <p:childTnLst>
+                        <p:par>
+                          <p:cTn id="24" fill="hold">
+                            <p:stCondLst>
+                              <p:cond delay="0"/>
+                            </p:stCondLst>
+                            <p:childTnLst>
+                              <p:par>
+                                <p:cTn id="25" presetID="16" presetClass="entr" presetSubtype="21" fill="hold" nodeType="clickEffect">
+                                  <p:stCondLst>
+                                    <p:cond delay="0"/>
+                                  </p:stCondLst>
+                                  <p:childTnLst>
+                                    <p:set>
+                                      <p:cBhvr>
+                                        <p:cTn id="26" dur="1" fill="hold">
+                                          <p:stCondLst>
+                                            <p:cond delay="0"/>
+                                          </p:stCondLst>
+                                        </p:cTn>
+                                        <p:tgtEl>
+                                          <p:spTgt spid="15"/>
+                                        </p:tgtEl>
+                                        <p:attrNameLst>
+                                          <p:attrName>style.visibility</p:attrName>
+                                        </p:attrNameLst>
+                                      </p:cBhvr>
+                                      <p:to>
+                                        <p:strVal val="visible"/>
+                                      </p:to>
+                                    </p:set>
+                                    <p:animEffect transition="in" filter="barn(inVertical)">
+                                      <p:cBhvr>
+                                        <p:cTn id="27" dur="500"/>
+                                        <p:tgtEl>
+                                          <p:spTgt spid="15"/>
+                                        </p:tgtEl>
+                                      </p:cBhvr>
+                                    </p:animEffect>
+                                  </p:childTnLst>
+                                </p:cTn>
+                              </p:par>
+                            </p:childTnLst>
+                          </p:cTn>
+                        </p:par>
+                      </p:childTnLst>
+                    </p:cTn>
+                  </p:par>
+                </p:childTnLst>
+              </p:cTn>
+              <p:prevCondLst>
+                <p:cond evt="onPrev" delay="0">
+                  <p:tgtEl>
+                    <p:sldTgt/>
+                  </p:tgtEl>
+                </p:cond>
+              </p:prevCondLst>
+              <p:nextCondLst>
+                <p:cond evt="onNext" delay="0">
+                  <p:tgtEl>
+                    <p:sldTgt/>
+                  </p:tgtEl>
+                </p:cond>
+              </p:nextCondLst>
+            </p:seq>
+          </p:childTnLst>
+        </p:cTn>
       </p:par>
     </p:tnLst>
+    <p:bldLst>
+      <p:bldP spid="18" grpId="0"/>
+      <p:bldP spid="20" grpId="0"/>
+      <p:bldP spid="23" grpId="0"/>
+      <p:bldP spid="24" grpId="0"/>
+      <p:bldP spid="27" grpId="0"/>
+      <p:bldP spid="28" grpId="0"/>
+    </p:bldLst>
   </p:timing>
 </p:sld>
 </file>

--- a/BaoCaoEVDict/Slide/BaoCao.pptx
+++ b/BaoCaoEVDict/Slide/BaoCao.pptx
@@ -5,7 +5,7 @@
     <p:sldMasterId id="2147483648" r:id="rId1"/>
   </p:sldMasterIdLst>
   <p:notesMasterIdLst>
-    <p:notesMasterId r:id="rId33"/>
+    <p:notesMasterId r:id="rId34"/>
   </p:notesMasterIdLst>
   <p:sldIdLst>
     <p:sldId id="256" r:id="rId2"/>
@@ -36,9 +36,10 @@
     <p:sldId id="289" r:id="rId27"/>
     <p:sldId id="285" r:id="rId28"/>
     <p:sldId id="276" r:id="rId29"/>
-    <p:sldId id="292" r:id="rId30"/>
-    <p:sldId id="291" r:id="rId31"/>
-    <p:sldId id="261" r:id="rId32"/>
+    <p:sldId id="293" r:id="rId30"/>
+    <p:sldId id="292" r:id="rId31"/>
+    <p:sldId id="291" r:id="rId32"/>
+    <p:sldId id="261" r:id="rId33"/>
   </p:sldIdLst>
   <p:sldSz cx="9144000" cy="6858000" type="screen4x3"/>
   <p:notesSz cx="6858000" cy="9144000"/>
@@ -238,7 +239,7 @@
           <a:p>
             <a:fld id="{BE328702-633C-4F70-8B53-8514E3E7250E}" type="datetimeFigureOut">
               <a:rPr lang="en-US" smtClean="0"/>
-              <a:t>12/31/2018</a:t>
+              <a:t>01/06/2019</a:t>
             </a:fld>
             <a:endParaRPr lang="en-US"/>
           </a:p>
@@ -1687,6 +1688,222 @@
 </p:notes>
 </file>
 
+<file path=ppt/notesSlides/notesSlide18.xml><?xml version="1.0" encoding="utf-8"?>
+<p:notes xmlns:a="http://schemas.openxmlformats.org/drawingml/2006/main" xmlns:r="http://schemas.openxmlformats.org/officeDocument/2006/relationships" xmlns:p="http://schemas.openxmlformats.org/presentationml/2006/main">
+  <p:cSld>
+    <p:spTree>
+      <p:nvGrpSpPr>
+        <p:cNvPr id="1" name=""/>
+        <p:cNvGrpSpPr/>
+        <p:nvPr/>
+      </p:nvGrpSpPr>
+      <p:grpSpPr>
+        <a:xfrm>
+          <a:off x="0" y="0"/>
+          <a:ext cx="0" cy="0"/>
+          <a:chOff x="0" y="0"/>
+          <a:chExt cx="0" cy="0"/>
+        </a:xfrm>
+      </p:grpSpPr>
+      <p:sp>
+        <p:nvSpPr>
+          <p:cNvPr id="2" name="Slide Image Placeholder 1"/>
+          <p:cNvSpPr>
+            <a:spLocks noGrp="1" noRot="1" noChangeAspect="1"/>
+          </p:cNvSpPr>
+          <p:nvPr>
+            <p:ph type="sldImg"/>
+          </p:nvPr>
+        </p:nvSpPr>
+        <p:spPr/>
+      </p:sp>
+      <p:sp>
+        <p:nvSpPr>
+          <p:cNvPr id="3" name="Notes Placeholder 2"/>
+          <p:cNvSpPr>
+            <a:spLocks noGrp="1"/>
+          </p:cNvSpPr>
+          <p:nvPr>
+            <p:ph type="body" idx="1"/>
+          </p:nvPr>
+        </p:nvSpPr>
+        <p:spPr/>
+        <p:txBody>
+          <a:bodyPr/>
+          <a:lstStyle/>
+          <a:p>
+            <a:pPr marL="171450" indent="-171450">
+              <a:buFontTx/>
+              <a:buChar char="-"/>
+            </a:pPr>
+            <a:r>
+              <a:rPr lang="en-US" smtClean="0"/>
+              <a:t>vấn</a:t>
+            </a:r>
+            <a:r>
+              <a:rPr lang="en-US" baseline="0" smtClean="0"/>
+              <a:t> đề về tạo icon trên Toolbar</a:t>
+            </a:r>
+          </a:p>
+          <a:p>
+            <a:pPr marL="171450" indent="-171450">
+              <a:buFontTx/>
+              <a:buChar char="-"/>
+            </a:pPr>
+            <a:r>
+              <a:rPr lang="en-US" baseline="0" smtClean="0"/>
+              <a:t>Giải quyết:</a:t>
+            </a:r>
+          </a:p>
+          <a:p>
+            <a:pPr marL="171450" indent="-171450">
+              <a:buFont typeface="Arial" panose="020B0604020202020204" pitchFamily="34" charset="0"/>
+              <a:buChar char="•"/>
+            </a:pPr>
+            <a:r>
+              <a:rPr lang="en-US" smtClean="0"/>
+              <a:t>Tạo</a:t>
+            </a:r>
+            <a:r>
+              <a:rPr lang="en-US" baseline="0" smtClean="0"/>
+              <a:t> 1 list danh sách các hình ảnh sử dụng: </a:t>
+            </a:r>
+            <a:r>
+              <a:rPr lang="vi-VN" sz="1200" kern="1200" smtClean="0">
+                <a:solidFill>
+                  <a:schemeClr val="tx1"/>
+                </a:solidFill>
+                <a:latin typeface="+mn-lt"/>
+                <a:ea typeface="+mn-ea"/>
+                <a:cs typeface="+mn-cs"/>
+              </a:rPr>
+              <a:t>HIMAGELIST</a:t>
+            </a:r>
+            <a:r>
+              <a:rPr lang="vi-VN" sz="1200" kern="1200" baseline="0" smtClean="0">
+                <a:solidFill>
+                  <a:schemeClr val="tx1"/>
+                </a:solidFill>
+                <a:latin typeface="+mn-lt"/>
+                <a:ea typeface="+mn-ea"/>
+                <a:cs typeface="+mn-cs"/>
+              </a:rPr>
+              <a:t> (</a:t>
+            </a:r>
+            <a:r>
+              <a:rPr lang="vi-VN" sz="1200" kern="1200" smtClean="0">
+                <a:solidFill>
+                  <a:schemeClr val="tx1"/>
+                </a:solidFill>
+                <a:latin typeface="+mn-lt"/>
+                <a:ea typeface="+mn-ea"/>
+                <a:cs typeface="+mn-cs"/>
+              </a:rPr>
+              <a:t>ImageList_Create)</a:t>
+            </a:r>
+          </a:p>
+          <a:p>
+            <a:pPr marL="171450" indent="-171450">
+              <a:buFont typeface="Arial" panose="020B0604020202020204" pitchFamily="34" charset="0"/>
+              <a:buChar char="•"/>
+            </a:pPr>
+            <a:r>
+              <a:rPr lang="vi-VN" sz="1200" kern="1200" baseline="0" smtClean="0">
+                <a:solidFill>
+                  <a:schemeClr val="tx1"/>
+                </a:solidFill>
+                <a:latin typeface="+mn-lt"/>
+                <a:ea typeface="+mn-ea"/>
+                <a:cs typeface="+mn-cs"/>
+              </a:rPr>
+              <a:t>Load vào 1 mảng dùng hàm: </a:t>
+            </a:r>
+            <a:r>
+              <a:rPr lang="vi-VN" sz="1200" kern="1200" smtClean="0">
+                <a:solidFill>
+                  <a:schemeClr val="tx1"/>
+                </a:solidFill>
+                <a:latin typeface="+mn-lt"/>
+                <a:ea typeface="+mn-ea"/>
+                <a:cs typeface="+mn-cs"/>
+              </a:rPr>
+              <a:t>ImageList_Add</a:t>
+            </a:r>
+          </a:p>
+          <a:p>
+            <a:pPr marL="171450" indent="-171450">
+              <a:buFont typeface="Arial" panose="020B0604020202020204" pitchFamily="34" charset="0"/>
+              <a:buChar char="•"/>
+            </a:pPr>
+            <a:r>
+              <a:rPr lang="vi-VN" sz="1200" kern="1200" baseline="0" smtClean="0">
+                <a:solidFill>
+                  <a:schemeClr val="tx1"/>
+                </a:solidFill>
+                <a:latin typeface="+mn-lt"/>
+                <a:ea typeface="+mn-ea"/>
+                <a:cs typeface="+mn-cs"/>
+              </a:rPr>
+              <a:t>Load ảnh lên Toolbar: </a:t>
+            </a:r>
+            <a:r>
+              <a:rPr lang="vi-VN" sz="1200" kern="1200" smtClean="0">
+                <a:solidFill>
+                  <a:schemeClr val="tx1"/>
+                </a:solidFill>
+                <a:latin typeface="+mn-lt"/>
+                <a:ea typeface="+mn-ea"/>
+                <a:cs typeface="+mn-cs"/>
+              </a:rPr>
+              <a:t>TBBUTTON</a:t>
+            </a:r>
+            <a:endParaRPr lang="en-US" baseline="0" smtClean="0"/>
+          </a:p>
+          <a:p>
+            <a:pPr marL="171450" indent="-171450">
+              <a:buFont typeface="Arial" panose="020B0604020202020204" pitchFamily="34" charset="0"/>
+              <a:buChar char="•"/>
+            </a:pPr>
+            <a:endParaRPr lang="vi-VN"/>
+          </a:p>
+        </p:txBody>
+      </p:sp>
+      <p:sp>
+        <p:nvSpPr>
+          <p:cNvPr id="4" name="Slide Number Placeholder 3"/>
+          <p:cNvSpPr>
+            <a:spLocks noGrp="1"/>
+          </p:cNvSpPr>
+          <p:nvPr>
+            <p:ph type="sldNum" sz="quarter" idx="10"/>
+          </p:nvPr>
+        </p:nvSpPr>
+        <p:spPr/>
+        <p:txBody>
+          <a:bodyPr/>
+          <a:lstStyle/>
+          <a:p>
+            <a:fld id="{3B490163-FAFD-47D6-BE4F-B2E71F8CC245}" type="slidenum">
+              <a:rPr lang="en-US" smtClean="0"/>
+              <a:t>29</a:t>
+            </a:fld>
+            <a:endParaRPr lang="en-US"/>
+          </a:p>
+        </p:txBody>
+      </p:sp>
+    </p:spTree>
+    <p:extLst>
+      <p:ext uri="{BB962C8B-B14F-4D97-AF65-F5344CB8AC3E}">
+        <p14:creationId xmlns:p14="http://schemas.microsoft.com/office/powerpoint/2010/main" val="4233779902"/>
+      </p:ext>
+    </p:extLst>
+  </p:cSld>
+  <p:clrMapOvr>
+    <a:masterClrMapping/>
+  </p:clrMapOvr>
+</p:notes>
+</file>
+
 <file path=ppt/notesSlides/notesSlide2.xml><?xml version="1.0" encoding="utf-8"?>
 <p:notes xmlns:a="http://schemas.openxmlformats.org/drawingml/2006/main" xmlns:r="http://schemas.openxmlformats.org/officeDocument/2006/relationships" xmlns:p="http://schemas.openxmlformats.org/presentationml/2006/main">
   <p:cSld>
@@ -1741,10 +1958,8 @@
                 <a:ea typeface="+mn-ea"/>
                 <a:cs typeface="+mn-cs"/>
               </a:rPr>
-              <a:t>- Trong sự phát triển của khoa học thế kỷ 21, thời đại của công nghệ 4.0. công nghệ thông tin hiện nay là ngành phát triển nhanh nhất. Công nghệ thông tin của nước ta còn mới, song tốc độ phát triển của nó rất nhanh và mạnh, chiếm một vị trí quan trọng trong ngành khoa học công nghệ. Một trong những ứng dụng khá phổ biến ở nước ta hiện nay là lĩnh vực xây dựng các ứng dụng để phục vụ các bài toán thực tế, nhằm tăng năng suất, nhanh chóng và hiệu quả hơn</a:t>
-            </a:r>
-          </a:p>
-          <a:p>
+              <a:t>- Trong </a:t>
+            </a:r>
             <a:r>
               <a:rPr lang="vi-VN" sz="1200" kern="1200" smtClean="0">
                 <a:solidFill>
@@ -1755,10 +1970,8 @@
                 <a:ea typeface="+mn-ea"/>
                 <a:cs typeface="+mn-cs"/>
               </a:rPr>
-              <a:t>- Xây dựng các ứng dụng này giúp cho những người dùng dễ tiếp cận, xử lý nhanh, và hiệu quả hơn. Đồng thời nó giúp cho những người phát triển phẩn mềm sau có thể nghiên cứu, phát triển, và hoàn thiện ứng dụng hơn. </a:t>
-            </a:r>
-          </a:p>
-          <a:p>
+              <a:t>thời đại </a:t>
+            </a:r>
             <a:r>
               <a:rPr lang="vi-VN" sz="1200" kern="1200" smtClean="0">
                 <a:solidFill>
@@ -1769,7 +1982,115 @@
                 <a:ea typeface="+mn-ea"/>
                 <a:cs typeface="+mn-cs"/>
               </a:rPr>
-              <a:t>- Trong thời đại hội nhập này, tiếp cận, học hỏi với các kiến thức, trình độ của các nước phát triển là điều tiên quyết. Để làm được điều đó, việc học tiếng nước ngoài là điều cần thiết. Với một ngôn ngữ mới, thì từ vựng và cách dùng là rất đa dạng và phong phú.Vì vậy, để hỗ trợ cho việc học một ngôn ngữ mới (cụ thể là tiếng anh), </a:t>
+              <a:t>hiện</a:t>
+            </a:r>
+            <a:r>
+              <a:rPr lang="vi-VN" sz="1200" kern="1200" baseline="0" smtClean="0">
+                <a:solidFill>
+                  <a:schemeClr val="tx1"/>
+                </a:solidFill>
+                <a:effectLst/>
+                <a:latin typeface="+mn-lt"/>
+                <a:ea typeface="+mn-ea"/>
+                <a:cs typeface="+mn-cs"/>
+              </a:rPr>
+              <a:t> nay, thời đại công nghệ 4.0, thời đại </a:t>
+            </a:r>
+            <a:r>
+              <a:rPr lang="vi-VN" sz="1200" kern="1200" smtClean="0">
+                <a:solidFill>
+                  <a:schemeClr val="tx1"/>
+                </a:solidFill>
+                <a:effectLst/>
+                <a:latin typeface="+mn-lt"/>
+                <a:ea typeface="+mn-ea"/>
+                <a:cs typeface="+mn-cs"/>
+              </a:rPr>
+              <a:t>hội </a:t>
+            </a:r>
+            <a:r>
+              <a:rPr lang="vi-VN" sz="1200" kern="1200" smtClean="0">
+                <a:solidFill>
+                  <a:schemeClr val="tx1"/>
+                </a:solidFill>
+                <a:effectLst/>
+                <a:latin typeface="+mn-lt"/>
+                <a:ea typeface="+mn-ea"/>
+                <a:cs typeface="+mn-cs"/>
+              </a:rPr>
+              <a:t>nhập </a:t>
+            </a:r>
+            <a:r>
+              <a:rPr lang="vi-VN" sz="1200" kern="1200" smtClean="0">
+                <a:solidFill>
+                  <a:schemeClr val="tx1"/>
+                </a:solidFill>
+                <a:effectLst/>
+                <a:latin typeface="+mn-lt"/>
+                <a:ea typeface="+mn-ea"/>
+                <a:cs typeface="+mn-cs"/>
+              </a:rPr>
+              <a:t>quốc</a:t>
+            </a:r>
+            <a:r>
+              <a:rPr lang="vi-VN" sz="1200" kern="1200" baseline="0" smtClean="0">
+                <a:solidFill>
+                  <a:schemeClr val="tx1"/>
+                </a:solidFill>
+                <a:effectLst/>
+                <a:latin typeface="+mn-lt"/>
+                <a:ea typeface="+mn-ea"/>
+                <a:cs typeface="+mn-cs"/>
+              </a:rPr>
+              <a:t> tế</a:t>
+            </a:r>
+            <a:r>
+              <a:rPr lang="vi-VN" sz="1200" kern="1200" smtClean="0">
+                <a:solidFill>
+                  <a:schemeClr val="tx1"/>
+                </a:solidFill>
+                <a:effectLst/>
+                <a:latin typeface="+mn-lt"/>
+                <a:ea typeface="+mn-ea"/>
+                <a:cs typeface="+mn-cs"/>
+              </a:rPr>
+              <a:t>, việc </a:t>
+            </a:r>
+            <a:r>
+              <a:rPr lang="vi-VN" sz="1200" kern="1200" smtClean="0">
+                <a:solidFill>
+                  <a:schemeClr val="tx1"/>
+                </a:solidFill>
+                <a:effectLst/>
+                <a:latin typeface="+mn-lt"/>
+                <a:ea typeface="+mn-ea"/>
+                <a:cs typeface="+mn-cs"/>
+              </a:rPr>
+              <a:t>tiếp </a:t>
+            </a:r>
+            <a:r>
+              <a:rPr lang="vi-VN" sz="1200" kern="1200" smtClean="0">
+                <a:solidFill>
+                  <a:schemeClr val="tx1"/>
+                </a:solidFill>
+                <a:effectLst/>
+                <a:latin typeface="+mn-lt"/>
+                <a:ea typeface="+mn-ea"/>
+                <a:cs typeface="+mn-cs"/>
+              </a:rPr>
+              <a:t>cận và </a:t>
+            </a:r>
+            <a:r>
+              <a:rPr lang="vi-VN" sz="1200" kern="1200" smtClean="0">
+                <a:solidFill>
+                  <a:schemeClr val="tx1"/>
+                </a:solidFill>
+                <a:effectLst/>
+                <a:latin typeface="+mn-lt"/>
+                <a:ea typeface="+mn-ea"/>
+                <a:cs typeface="+mn-cs"/>
+              </a:rPr>
+              <a:t>học hỏi với các kiến thức, trình độ của các nước phát triển là điều tiên quyết. Để làm được điều đó, việc học tiếng nước ngoài là điều cần thiết. Với một ngôn ngữ mới, thì từ vựng và cách dùng là rất đa dạng và phong phú.Vì vậy, để hỗ trợ cho việc học một ngôn ngữ mới (cụ thể là tiếng anh), </a:t>
             </a:r>
             <a:endParaRPr lang="vi-VN"/>
           </a:p>
@@ -5158,7 +5479,7 @@
           <a:p>
             <a:fld id="{D5A17488-5C6E-40AE-B81F-5D1F6DBB19BE}" type="datetime1">
               <a:rPr lang="en-US" smtClean="0"/>
-              <a:t>12/31/2018</a:t>
+              <a:t>01/06/2019</a:t>
             </a:fld>
             <a:endParaRPr lang="en-US"/>
           </a:p>
@@ -5328,7 +5649,7 @@
           <a:p>
             <a:fld id="{719608AF-FCC3-4D37-9E62-BB21E159D1F1}" type="datetime1">
               <a:rPr lang="en-US" smtClean="0"/>
-              <a:t>12/31/2018</a:t>
+              <a:t>01/06/2019</a:t>
             </a:fld>
             <a:endParaRPr lang="en-US"/>
           </a:p>
@@ -5508,7 +5829,7 @@
           <a:p>
             <a:fld id="{71C6CCF7-7F75-4F2B-891B-84FD0A048997}" type="datetime1">
               <a:rPr lang="en-US" smtClean="0"/>
-              <a:t>12/31/2018</a:t>
+              <a:t>01/06/2019</a:t>
             </a:fld>
             <a:endParaRPr lang="en-US"/>
           </a:p>
@@ -5678,7 +5999,7 @@
           <a:p>
             <a:fld id="{A6A3A74A-75F0-4F69-9D02-09868A3FA853}" type="datetime1">
               <a:rPr lang="en-US" smtClean="0"/>
-              <a:t>12/31/2018</a:t>
+              <a:t>01/06/2019</a:t>
             </a:fld>
             <a:endParaRPr lang="en-US"/>
           </a:p>
@@ -5924,7 +6245,7 @@
           <a:p>
             <a:fld id="{F0BEA782-D9F4-4A8E-A007-B03282132494}" type="datetime1">
               <a:rPr lang="en-US" smtClean="0"/>
-              <a:t>12/31/2018</a:t>
+              <a:t>01/06/2019</a:t>
             </a:fld>
             <a:endParaRPr lang="en-US"/>
           </a:p>
@@ -6212,7 +6533,7 @@
           <a:p>
             <a:fld id="{1E94AE4C-CC4E-4585-B509-C6259F80A0E1}" type="datetime1">
               <a:rPr lang="en-US" smtClean="0"/>
-              <a:t>12/31/2018</a:t>
+              <a:t>01/06/2019</a:t>
             </a:fld>
             <a:endParaRPr lang="en-US"/>
           </a:p>
@@ -6634,7 +6955,7 @@
           <a:p>
             <a:fld id="{86D21DFE-F71F-457C-9C8F-148FA402CA3F}" type="datetime1">
               <a:rPr lang="en-US" smtClean="0"/>
-              <a:t>12/31/2018</a:t>
+              <a:t>01/06/2019</a:t>
             </a:fld>
             <a:endParaRPr lang="en-US"/>
           </a:p>
@@ -6752,7 +7073,7 @@
           <a:p>
             <a:fld id="{1EED8089-966D-4465-B0AC-19243FB165C1}" type="datetime1">
               <a:rPr lang="en-US" smtClean="0"/>
-              <a:t>12/31/2018</a:t>
+              <a:t>01/06/2019</a:t>
             </a:fld>
             <a:endParaRPr lang="en-US"/>
           </a:p>
@@ -6847,7 +7168,7 @@
           <a:p>
             <a:fld id="{8D92D85C-78A5-440E-AC88-3177B48746B7}" type="datetime1">
               <a:rPr lang="en-US" smtClean="0"/>
-              <a:t>12/31/2018</a:t>
+              <a:t>01/06/2019</a:t>
             </a:fld>
             <a:endParaRPr lang="en-US"/>
           </a:p>
@@ -7124,7 +7445,7 @@
           <a:p>
             <a:fld id="{814C6F01-6E24-45E5-8F3D-02464896AEB2}" type="datetime1">
               <a:rPr lang="en-US" smtClean="0"/>
-              <a:t>12/31/2018</a:t>
+              <a:t>01/06/2019</a:t>
             </a:fld>
             <a:endParaRPr lang="en-US"/>
           </a:p>
@@ -7377,7 +7698,7 @@
           <a:p>
             <a:fld id="{B832EC9E-E0F9-47CC-A3FC-C4C20FD8D405}" type="datetime1">
               <a:rPr lang="en-US" smtClean="0"/>
-              <a:t>12/31/2018</a:t>
+              <a:t>01/06/2019</a:t>
             </a:fld>
             <a:endParaRPr lang="en-US"/>
           </a:p>
@@ -7590,7 +7911,7 @@
           <a:p>
             <a:fld id="{0B4F1A3F-502B-4C38-8B4F-A257D455D806}" type="datetime1">
               <a:rPr lang="en-US" smtClean="0"/>
-              <a:t>12/31/2018</a:t>
+              <a:t>01/06/2019</a:t>
             </a:fld>
             <a:endParaRPr lang="en-US"/>
           </a:p>
@@ -9500,7 +9821,7 @@
         </p:nvSpPr>
         <p:spPr>
           <a:xfrm>
-            <a:off x="202770" y="2373868"/>
+            <a:off x="202770" y="2305554"/>
             <a:ext cx="2438400" cy="369332"/>
           </a:xfrm>
           <a:prstGeom prst="rect">
@@ -9538,7 +9859,7 @@
         </p:nvSpPr>
         <p:spPr>
           <a:xfrm>
-            <a:off x="207936" y="2754868"/>
+            <a:off x="202770" y="2698222"/>
             <a:ext cx="2438400" cy="369332"/>
           </a:xfrm>
           <a:prstGeom prst="rect">
@@ -9576,7 +9897,7 @@
         </p:nvSpPr>
         <p:spPr>
           <a:xfrm>
-            <a:off x="202770" y="3135868"/>
+            <a:off x="202770" y="3079222"/>
             <a:ext cx="2438400" cy="369332"/>
           </a:xfrm>
           <a:prstGeom prst="rect">
@@ -9614,7 +9935,7 @@
         </p:nvSpPr>
         <p:spPr>
           <a:xfrm>
-            <a:off x="202770" y="3516868"/>
+            <a:off x="202770" y="3448554"/>
             <a:ext cx="2438400" cy="369332"/>
           </a:xfrm>
           <a:prstGeom prst="rect">
@@ -9652,7 +9973,7 @@
         </p:nvSpPr>
         <p:spPr>
           <a:xfrm>
-            <a:off x="202770" y="3966182"/>
+            <a:off x="202770" y="3833479"/>
             <a:ext cx="2438400" cy="369332"/>
           </a:xfrm>
           <a:prstGeom prst="rect">
@@ -9690,7 +10011,7 @@
         </p:nvSpPr>
         <p:spPr>
           <a:xfrm>
-            <a:off x="202770" y="4335514"/>
+            <a:off x="202770" y="4222150"/>
             <a:ext cx="2438400" cy="369332"/>
           </a:xfrm>
           <a:prstGeom prst="rect">
@@ -12342,7 +12663,7 @@
         <p:spPr>
           <a:xfrm>
             <a:off x="489857" y="1764268"/>
-            <a:ext cx="7815942" cy="646331"/>
+            <a:ext cx="7815942" cy="369332"/>
           </a:xfrm>
           <a:prstGeom prst="rect">
             <a:avLst/>
@@ -12363,7 +12684,7 @@
               <a:rPr lang="en-US" smtClean="0">
                 <a:cs typeface="Calibri" panose="020F0502020204030204" pitchFamily="34" charset="0"/>
               </a:rPr>
-              <a:t>Code thực thi được viết trong message nhận được trong </a:t>
+              <a:t>Code thực thi được viết trong message </a:t>
             </a:r>
             <a:r>
               <a:rPr lang="en-US" b="1" smtClean="0">
@@ -12375,7 +12696,13 @@
               <a:rPr lang="en-US" smtClean="0">
                 <a:cs typeface="Calibri" panose="020F0502020204030204" pitchFamily="34" charset="0"/>
               </a:rPr>
-              <a:t> của </a:t>
+              <a:t> </a:t>
+            </a:r>
+            <a:r>
+              <a:rPr lang="en-US" smtClean="0">
+                <a:cs typeface="Calibri" panose="020F0502020204030204" pitchFamily="34" charset="0"/>
+              </a:rPr>
+              <a:t>của </a:t>
             </a:r>
             <a:r>
               <a:rPr lang="en-US" b="1" smtClean="0">
@@ -14281,7 +14608,7 @@
           <p:nvPr/>
         </p:nvPicPr>
         <p:blipFill>
-          <a:blip r:embed="rId2" cstate="print">
+          <a:blip r:embed="rId3" cstate="print">
             <a:extLst>
               <a:ext uri="{28A0092B-C50C-407E-A947-70E740481C1C}">
                 <a14:useLocalDpi xmlns:a14="http://schemas.microsoft.com/office/drawing/2010/main" val="0"/>
@@ -14311,7 +14638,7 @@
         <p:spPr>
           <a:xfrm>
             <a:off x="304800" y="304800"/>
-            <a:ext cx="4191000" cy="461665"/>
+            <a:ext cx="3886200" cy="461665"/>
           </a:xfrm>
           <a:prstGeom prst="rect">
             <a:avLst/>
@@ -14330,8 +14657,13 @@
                   <a:schemeClr val="bg1"/>
                 </a:solidFill>
               </a:rPr>
-              <a:t>Kết luận và hướng phát triển</a:t>
-            </a:r>
+              <a:t>Khó khăn và giải quyết</a:t>
+            </a:r>
+            <a:endParaRPr lang="en-US" sz="2400" b="1" smtClean="0">
+              <a:solidFill>
+                <a:schemeClr val="bg1"/>
+              </a:solidFill>
+            </a:endParaRPr>
           </a:p>
         </p:txBody>
       </p:sp>
@@ -14361,7 +14693,7 @@
               <a:rPr lang="en-US" b="1" smtClean="0">
                 <a:cs typeface="Calibri" panose="020F0502020204030204" pitchFamily="34" charset="0"/>
               </a:rPr>
-              <a:t>Kết luận:</a:t>
+              <a:t>Khó khăn:</a:t>
             </a:r>
             <a:endParaRPr lang="vi-VN" b="1">
               <a:cs typeface="Calibri" panose="020F0502020204030204" pitchFamily="34" charset="0"/>
@@ -14377,7 +14709,7 @@
         </p:nvSpPr>
         <p:spPr>
           <a:xfrm>
-            <a:off x="304800" y="2667000"/>
+            <a:off x="304800" y="3124200"/>
             <a:ext cx="3581400" cy="369332"/>
           </a:xfrm>
           <a:prstGeom prst="rect">
@@ -14395,7 +14727,7 @@
               <a:rPr lang="en-US" b="1" smtClean="0">
                 <a:cs typeface="Calibri" panose="020F0502020204030204" pitchFamily="34" charset="0"/>
               </a:rPr>
-              <a:t>Hướng phát triển:</a:t>
+              <a:t>Giải quyết:</a:t>
             </a:r>
             <a:endParaRPr lang="vi-VN" b="1">
               <a:cs typeface="Calibri" panose="020F0502020204030204" pitchFamily="34" charset="0"/>
@@ -14433,7 +14765,7 @@
               <a:rPr lang="en-US" smtClean="0">
                 <a:cs typeface="Calibri" panose="020F0502020204030204" pitchFamily="34" charset="0"/>
               </a:rPr>
-              <a:t>Về cơ bản, ứng dụng đáp ứng được yêu cầu người sử dụng.</a:t>
+              <a:t>Kinh nghiệm phân tích và giải quyết vấn đề chưa có.</a:t>
             </a:r>
             <a:endParaRPr lang="vi-VN">
               <a:cs typeface="Calibri" panose="020F0502020204030204" pitchFamily="34" charset="0"/>
@@ -14449,8 +14781,8 @@
         </p:nvSpPr>
         <p:spPr>
           <a:xfrm>
-            <a:off x="609600" y="2211009"/>
-            <a:ext cx="6096000" cy="369332"/>
+            <a:off x="609600" y="2209800"/>
+            <a:ext cx="7086600" cy="369332"/>
           </a:xfrm>
           <a:prstGeom prst="rect">
             <a:avLst/>
@@ -14471,7 +14803,7 @@
               <a:rPr lang="en-US" smtClean="0">
                 <a:cs typeface="Calibri" panose="020F0502020204030204" pitchFamily="34" charset="0"/>
               </a:rPr>
-              <a:t>Ứng dụng chạy ổn định, giao diện thân thiện.</a:t>
+              <a:t>Kỹ năng đọc tài liệu tiếng anh còn kém.</a:t>
             </a:r>
             <a:endParaRPr lang="vi-VN">
               <a:cs typeface="Calibri" panose="020F0502020204030204" pitchFamily="34" charset="0"/>
@@ -14487,8 +14819,8 @@
         </p:nvSpPr>
         <p:spPr>
           <a:xfrm>
-            <a:off x="609600" y="3213277"/>
-            <a:ext cx="6096000" cy="646331"/>
+            <a:off x="609600" y="2667000"/>
+            <a:ext cx="6096000" cy="369332"/>
           </a:xfrm>
           <a:prstGeom prst="rect">
             <a:avLst/>
@@ -14509,7 +14841,7 @@
               <a:rPr lang="en-US" smtClean="0">
                 <a:cs typeface="Calibri" panose="020F0502020204030204" pitchFamily="34" charset="0"/>
               </a:rPr>
-              <a:t>Hoàn thiện thêm các tính năng: phông chữ, mà sắc, thêm tính năng về hình ảnh và âm thanh phát âm từ.</a:t>
+              <a:t>Ví dụ: vấn đề tạo icon trên Toolbar,…</a:t>
             </a:r>
             <a:endParaRPr lang="vi-VN">
               <a:cs typeface="Calibri" panose="020F0502020204030204" pitchFamily="34" charset="0"/>
@@ -14525,7 +14857,7 @@
         </p:nvSpPr>
         <p:spPr>
           <a:xfrm>
-            <a:off x="609600" y="3951266"/>
+            <a:off x="609600" y="3581400"/>
             <a:ext cx="6096000" cy="646331"/>
           </a:xfrm>
           <a:prstGeom prst="rect">
@@ -14547,9 +14879,27 @@
               <a:rPr lang="en-US" smtClean="0">
                 <a:cs typeface="Calibri" panose="020F0502020204030204" pitchFamily="34" charset="0"/>
               </a:rPr>
-              <a:t>Sử dụng phương pháp Hash Table (bảng băm) để duyệt mảng, làm giảm thời gian tra cứu.</a:t>
-            </a:r>
-            <a:endParaRPr lang="vi-VN">
+              <a:t>Sự chỉ bảo tận tình của GVHD: </a:t>
+            </a:r>
+            <a:r>
+              <a:rPr lang="en-US" b="1" smtClean="0">
+                <a:cs typeface="Calibri" panose="020F0502020204030204" pitchFamily="34" charset="0"/>
+              </a:rPr>
+              <a:t>PGS. TS. Nguyễn Thanh Hải </a:t>
+            </a:r>
+            <a:r>
+              <a:rPr lang="en-US" smtClean="0">
+                <a:cs typeface="Calibri" panose="020F0502020204030204" pitchFamily="34" charset="0"/>
+              </a:rPr>
+              <a:t>cùng với cán bộ FPT: </a:t>
+            </a:r>
+            <a:r>
+              <a:rPr lang="en-US" b="1" smtClean="0">
+                <a:cs typeface="Calibri" panose="020F0502020204030204" pitchFamily="34" charset="0"/>
+              </a:rPr>
+              <a:t>Nguyễn Minh Tiến</a:t>
+            </a:r>
+            <a:endParaRPr lang="vi-VN" b="1">
               <a:cs typeface="Calibri" panose="020F0502020204030204" pitchFamily="34" charset="0"/>
             </a:endParaRPr>
           </a:p>
@@ -14557,14 +14907,14 @@
       </p:sp>
       <p:sp>
         <p:nvSpPr>
-          <p:cNvPr id="14" name="TextBox 13"/>
+          <p:cNvPr id="16" name="TextBox 15"/>
           <p:cNvSpPr txBox="1"/>
           <p:nvPr/>
         </p:nvSpPr>
         <p:spPr>
           <a:xfrm>
-            <a:off x="609600" y="4611469"/>
-            <a:ext cx="6096000" cy="646331"/>
+            <a:off x="609600" y="4343400"/>
+            <a:ext cx="7086600" cy="646331"/>
           </a:xfrm>
           <a:prstGeom prst="rect">
             <a:avLst/>
@@ -14582,10 +14932,34 @@
               <a:buChar char="•"/>
             </a:pPr>
             <a:r>
+              <a:rPr lang="en-US">
+                <a:cs typeface="Calibri" panose="020F0502020204030204" pitchFamily="34" charset="0"/>
+              </a:rPr>
+              <a:t>Đối với nhiều hàm của các cửa sổ: Toolbar, Listbox, Combobox</a:t>
+            </a:r>
+            <a:r>
+              <a:rPr lang="en-US">
+                <a:cs typeface="Calibri" panose="020F0502020204030204" pitchFamily="34" charset="0"/>
+              </a:rPr>
+              <a:t>,… </a:t>
+            </a:r>
+            <a:r>
+              <a:rPr lang="en-US">
+                <a:cs typeface="Calibri" panose="020F0502020204030204" pitchFamily="34" charset="0"/>
+              </a:rPr>
+              <a:t>tìm kiếm bằng cách gõ: từ khóa + </a:t>
+            </a:r>
+            <a:r>
+              <a:rPr lang="en-US">
+                <a:cs typeface="Calibri" panose="020F0502020204030204" pitchFamily="34" charset="0"/>
+              </a:rPr>
+              <a:t>msdn </a:t>
+            </a:r>
+            <a:r>
               <a:rPr lang="en-US" smtClean="0">
                 <a:cs typeface="Calibri" panose="020F0502020204030204" pitchFamily="34" charset="0"/>
               </a:rPr>
-              <a:t>Mã hóa dữ liệu, sử dụng cơ sở dữ liệu có thể bằng cách lưu trên server.</a:t>
+              <a:t>(Microsoft)</a:t>
             </a:r>
             <a:endParaRPr lang="vi-VN">
               <a:cs typeface="Calibri" panose="020F0502020204030204" pitchFamily="34" charset="0"/>
@@ -14619,7 +14993,7 @@
     </p:spTree>
     <p:extLst>
       <p:ext uri="{BB962C8B-B14F-4D97-AF65-F5344CB8AC3E}">
-        <p14:creationId xmlns:p14="http://schemas.microsoft.com/office/powerpoint/2010/main" val="1870692985"/>
+        <p14:creationId xmlns:p14="http://schemas.microsoft.com/office/powerpoint/2010/main" val="2493290557"/>
       </p:ext>
     </p:extLst>
   </p:cSld>
@@ -14933,7 +15307,7 @@
                   <a:schemeClr val="bg1"/>
                 </a:solidFill>
               </a:rPr>
-              <a:t>Phụ lục và tài liệu tham khảo</a:t>
+              <a:t>Kết luận và hướng phát triển</a:t>
             </a:r>
           </a:p>
         </p:txBody>
@@ -14964,7 +15338,7 @@
               <a:rPr lang="en-US" b="1" smtClean="0">
                 <a:cs typeface="Calibri" panose="020F0502020204030204" pitchFamily="34" charset="0"/>
               </a:rPr>
-              <a:t>Project:</a:t>
+              <a:t>Kết luận:</a:t>
             </a:r>
             <a:endParaRPr lang="vi-VN" b="1">
               <a:cs typeface="Calibri" panose="020F0502020204030204" pitchFamily="34" charset="0"/>
@@ -14980,7 +15354,7 @@
         </p:nvSpPr>
         <p:spPr>
           <a:xfrm>
-            <a:off x="337457" y="2369582"/>
+            <a:off x="304800" y="2667000"/>
             <a:ext cx="3581400" cy="369332"/>
           </a:xfrm>
           <a:prstGeom prst="rect">
@@ -14998,7 +15372,7 @@
               <a:rPr lang="en-US" b="1" smtClean="0">
                 <a:cs typeface="Calibri" panose="020F0502020204030204" pitchFamily="34" charset="0"/>
               </a:rPr>
-              <a:t>Tài liệu tham khảo:</a:t>
+              <a:t>Hướng phát triển:</a:t>
             </a:r>
             <a:endParaRPr lang="vi-VN" b="1">
               <a:cs typeface="Calibri" panose="020F0502020204030204" pitchFamily="34" charset="0"/>
@@ -15014,8 +15388,8 @@
         </p:nvSpPr>
         <p:spPr>
           <a:xfrm>
-            <a:off x="914400" y="1787783"/>
-            <a:ext cx="6618514" cy="369332"/>
+            <a:off x="609600" y="1808122"/>
+            <a:ext cx="6096000" cy="369332"/>
           </a:xfrm>
           <a:prstGeom prst="rect">
             <a:avLst/>
@@ -15027,101 +15401,170 @@
             <a:spAutoFit/>
           </a:bodyPr>
           <a:lstStyle/>
-          <a:p>
-            <a:r>
-              <a:rPr lang="vi-VN" u="sng">
-                <a:latin typeface="Calibri" panose="020F0502020204030204" pitchFamily="34" charset="0"/>
-                <a:cs typeface="Calibri" panose="020F0502020204030204" pitchFamily="34" charset="0"/>
-                <a:hlinkClick r:id="rId3"/>
-              </a:rPr>
-              <a:t>https://github.com/TrinhVanHieu/DoAn2018_EVDict</a:t>
-            </a:r>
-            <a:endParaRPr lang="vi-VN">
-              <a:latin typeface="Calibri" panose="020F0502020204030204" pitchFamily="34" charset="0"/>
-              <a:cs typeface="Calibri" panose="020F0502020204030204" pitchFamily="34" charset="0"/>
-            </a:endParaRPr>
-          </a:p>
-        </p:txBody>
-      </p:sp>
-      <p:sp>
-        <p:nvSpPr>
-          <p:cNvPr id="9" name="TextBox 8"/>
-          <p:cNvSpPr txBox="1"/>
-          <p:nvPr/>
-        </p:nvSpPr>
-        <p:spPr>
-          <a:xfrm>
-            <a:off x="914400" y="2895600"/>
-            <a:ext cx="7696200" cy="1754326"/>
-          </a:xfrm>
-          <a:prstGeom prst="rect">
-            <a:avLst/>
-          </a:prstGeom>
-          <a:noFill/>
-        </p:spPr>
-        <p:txBody>
-          <a:bodyPr wrap="square" rtlCol="0">
-            <a:spAutoFit/>
-          </a:bodyPr>
-          <a:lstStyle/>
-          <a:p>
-            <a:pPr marL="285750" lvl="0" indent="-285750">
-              <a:buFont typeface="Arial" panose="020B0604020202020204" pitchFamily="34" charset="0"/>
-              <a:buChar char="•"/>
-            </a:pPr>
-            <a:r>
-              <a:rPr lang="vi-VN">
-                <a:latin typeface="Calibri" panose="020F0502020204030204" pitchFamily="34" charset="0"/>
-                <a:cs typeface="Calibri" panose="020F0502020204030204" pitchFamily="34" charset="0"/>
-              </a:rPr>
-              <a:t>Kỹ thuật lập trình C cơ bản và nâng cao, GS. Phạm Văn Ất, Giao thông vận tải, 2015, 430 trang</a:t>
-            </a:r>
-            <a:r>
-              <a:rPr lang="vi-VN" smtClean="0">
-                <a:latin typeface="Calibri" panose="020F0502020204030204" pitchFamily="34" charset="0"/>
-                <a:cs typeface="Calibri" panose="020F0502020204030204" pitchFamily="34" charset="0"/>
-              </a:rPr>
-              <a:t>.</a:t>
-            </a:r>
-          </a:p>
-          <a:p>
-            <a:pPr marL="285750" lvl="0" indent="-285750">
-              <a:buFont typeface="Arial" panose="020B0604020202020204" pitchFamily="34" charset="0"/>
-              <a:buChar char="•"/>
-            </a:pPr>
-            <a:r>
-              <a:rPr lang="vi-VN">
-                <a:latin typeface="Calibri" panose="020F0502020204030204" pitchFamily="34" charset="0"/>
-                <a:cs typeface="Calibri" panose="020F0502020204030204" pitchFamily="34" charset="0"/>
-              </a:rPr>
-              <a:t>Lập trình WIN32 API qua ví dụ minh họa, Vũ Hồng Việt, Vncoding.net, 2014, 51 trang</a:t>
-            </a:r>
-            <a:endParaRPr lang="vi-VN" smtClean="0">
-              <a:latin typeface="Calibri" panose="020F0502020204030204" pitchFamily="34" charset="0"/>
-              <a:cs typeface="Calibri" panose="020F0502020204030204" pitchFamily="34" charset="0"/>
-            </a:endParaRPr>
-          </a:p>
           <a:p>
             <a:pPr marL="285750" indent="-285750">
               <a:buFont typeface="Arial" panose="020B0604020202020204" pitchFamily="34" charset="0"/>
               <a:buChar char="•"/>
             </a:pPr>
             <a:r>
-              <a:rPr lang="en-US">
-                <a:latin typeface="Calibri" panose="020F0502020204030204" pitchFamily="34" charset="0"/>
+              <a:rPr lang="en-US" smtClean="0">
                 <a:cs typeface="Calibri" panose="020F0502020204030204" pitchFamily="34" charset="0"/>
               </a:rPr>
-              <a:t>The C++ Programming Language, Bjarne Stroustrup, Addsion – Wesley, 1997, 1022 pages</a:t>
-            </a:r>
+              <a:t>Về cơ bản, ứng dụng đáp ứng được yêu cầu người sử dụng.</a:t>
+            </a:r>
+            <a:endParaRPr lang="vi-VN">
+              <a:cs typeface="Calibri" panose="020F0502020204030204" pitchFamily="34" charset="0"/>
+            </a:endParaRPr>
+          </a:p>
+        </p:txBody>
+      </p:sp>
+      <p:sp>
+        <p:nvSpPr>
+          <p:cNvPr id="11" name="TextBox 10"/>
+          <p:cNvSpPr txBox="1"/>
+          <p:nvPr/>
+        </p:nvSpPr>
+        <p:spPr>
+          <a:xfrm>
+            <a:off x="609600" y="2211009"/>
+            <a:ext cx="6096000" cy="369332"/>
+          </a:xfrm>
+          <a:prstGeom prst="rect">
+            <a:avLst/>
+          </a:prstGeom>
+          <a:noFill/>
+        </p:spPr>
+        <p:txBody>
+          <a:bodyPr wrap="square" rtlCol="0">
+            <a:spAutoFit/>
+          </a:bodyPr>
+          <a:lstStyle/>
+          <a:p>
+            <a:pPr marL="285750" indent="-285750">
+              <a:buFont typeface="Arial" panose="020B0604020202020204" pitchFamily="34" charset="0"/>
+              <a:buChar char="•"/>
+            </a:pPr>
             <a:r>
               <a:rPr lang="en-US" smtClean="0">
-                <a:latin typeface="Calibri" panose="020F0502020204030204" pitchFamily="34" charset="0"/>
                 <a:cs typeface="Calibri" panose="020F0502020204030204" pitchFamily="34" charset="0"/>
               </a:rPr>
-              <a:t>.</a:t>
+              <a:t>Ứng dụng chạy ổn định, giao diện thân thiện.</a:t>
             </a:r>
             <a:endParaRPr lang="vi-VN">
-              <a:latin typeface="Calibri" panose="020F0502020204030204" pitchFamily="34" charset="0"/>
+              <a:cs typeface="Calibri" panose="020F0502020204030204" pitchFamily="34" charset="0"/>
+            </a:endParaRPr>
+          </a:p>
+        </p:txBody>
+      </p:sp>
+      <p:sp>
+        <p:nvSpPr>
+          <p:cNvPr id="12" name="TextBox 11"/>
+          <p:cNvSpPr txBox="1"/>
+          <p:nvPr/>
+        </p:nvSpPr>
+        <p:spPr>
+          <a:xfrm>
+            <a:off x="609600" y="3213277"/>
+            <a:ext cx="6096000" cy="646331"/>
+          </a:xfrm>
+          <a:prstGeom prst="rect">
+            <a:avLst/>
+          </a:prstGeom>
+          <a:noFill/>
+        </p:spPr>
+        <p:txBody>
+          <a:bodyPr wrap="square" rtlCol="0">
+            <a:spAutoFit/>
+          </a:bodyPr>
+          <a:lstStyle/>
+          <a:p>
+            <a:pPr marL="285750" indent="-285750">
+              <a:buFont typeface="Arial" panose="020B0604020202020204" pitchFamily="34" charset="0"/>
+              <a:buChar char="•"/>
+            </a:pPr>
+            <a:r>
+              <a:rPr lang="en-US" smtClean="0">
+                <a:cs typeface="Calibri" panose="020F0502020204030204" pitchFamily="34" charset="0"/>
+              </a:rPr>
+              <a:t>Hoàn thiện thêm các tính năng: phông chữ, mà sắc, thêm tính năng về hình ảnh và âm thanh phát âm từ.</a:t>
+            </a:r>
+            <a:endParaRPr lang="vi-VN">
+              <a:cs typeface="Calibri" panose="020F0502020204030204" pitchFamily="34" charset="0"/>
+            </a:endParaRPr>
+          </a:p>
+        </p:txBody>
+      </p:sp>
+      <p:sp>
+        <p:nvSpPr>
+          <p:cNvPr id="13" name="TextBox 12"/>
+          <p:cNvSpPr txBox="1"/>
+          <p:nvPr/>
+        </p:nvSpPr>
+        <p:spPr>
+          <a:xfrm>
+            <a:off x="609600" y="3951266"/>
+            <a:ext cx="6096000" cy="646331"/>
+          </a:xfrm>
+          <a:prstGeom prst="rect">
+            <a:avLst/>
+          </a:prstGeom>
+          <a:noFill/>
+        </p:spPr>
+        <p:txBody>
+          <a:bodyPr wrap="square" rtlCol="0">
+            <a:spAutoFit/>
+          </a:bodyPr>
+          <a:lstStyle/>
+          <a:p>
+            <a:pPr marL="285750" indent="-285750">
+              <a:buFont typeface="Arial" panose="020B0604020202020204" pitchFamily="34" charset="0"/>
+              <a:buChar char="•"/>
+            </a:pPr>
+            <a:r>
+              <a:rPr lang="en-US" smtClean="0">
+                <a:cs typeface="Calibri" panose="020F0502020204030204" pitchFamily="34" charset="0"/>
+              </a:rPr>
+              <a:t>Sử dụng phương pháp Hash Table (bảng băm) để duyệt mảng, làm giảm thời gian tra cứu.</a:t>
+            </a:r>
+            <a:endParaRPr lang="vi-VN">
+              <a:cs typeface="Calibri" panose="020F0502020204030204" pitchFamily="34" charset="0"/>
+            </a:endParaRPr>
+          </a:p>
+        </p:txBody>
+      </p:sp>
+      <p:sp>
+        <p:nvSpPr>
+          <p:cNvPr id="14" name="TextBox 13"/>
+          <p:cNvSpPr txBox="1"/>
+          <p:nvPr/>
+        </p:nvSpPr>
+        <p:spPr>
+          <a:xfrm>
+            <a:off x="609600" y="4611469"/>
+            <a:ext cx="6096000" cy="646331"/>
+          </a:xfrm>
+          <a:prstGeom prst="rect">
+            <a:avLst/>
+          </a:prstGeom>
+          <a:noFill/>
+        </p:spPr>
+        <p:txBody>
+          <a:bodyPr wrap="square" rtlCol="0">
+            <a:spAutoFit/>
+          </a:bodyPr>
+          <a:lstStyle/>
+          <a:p>
+            <a:pPr marL="285750" indent="-285750">
+              <a:buFont typeface="Arial" panose="020B0604020202020204" pitchFamily="34" charset="0"/>
+              <a:buChar char="•"/>
+            </a:pPr>
+            <a:r>
+              <a:rPr lang="en-US" smtClean="0">
+                <a:cs typeface="Calibri" panose="020F0502020204030204" pitchFamily="34" charset="0"/>
+              </a:rPr>
+              <a:t>Mã hóa dữ liệu, sử dụng cơ sở dữ liệu có thể bằng cách lưu trên server.</a:t>
+            </a:r>
+            <a:endParaRPr lang="vi-VN">
               <a:cs typeface="Calibri" panose="020F0502020204030204" pitchFamily="34" charset="0"/>
             </a:endParaRPr>
           </a:p>
@@ -15153,7 +15596,7 @@
     </p:spTree>
     <p:extLst>
       <p:ext uri="{BB962C8B-B14F-4D97-AF65-F5344CB8AC3E}">
-        <p14:creationId xmlns:p14="http://schemas.microsoft.com/office/powerpoint/2010/main" val="1723002410"/>
+        <p14:creationId xmlns:p14="http://schemas.microsoft.com/office/powerpoint/2010/main" val="1870692985"/>
       </p:ext>
     </p:extLst>
   </p:cSld>
@@ -15189,7 +15632,7 @@
       </p:grpSpPr>
       <p:pic>
         <p:nvPicPr>
-          <p:cNvPr id="7" name="Picture 6"/>
+          <p:cNvPr id="6" name="Picture 5"/>
           <p:cNvPicPr>
             <a:picLocks noChangeAspect="1"/>
           </p:cNvPicPr>
@@ -15225,8 +15668,8 @@
         </p:nvSpPr>
         <p:spPr>
           <a:xfrm>
-            <a:off x="1981200" y="2667000"/>
-            <a:ext cx="4191000" cy="830997"/>
+            <a:off x="304800" y="304800"/>
+            <a:ext cx="4191000" cy="461665"/>
           </a:xfrm>
           <a:prstGeom prst="rect">
             <a:avLst/>
@@ -15240,13 +15683,202 @@
           <a:lstStyle/>
           <a:p>
             <a:r>
-              <a:rPr lang="en-US" sz="4800" b="1" i="1" smtClean="0">
-                <a:solidFill>
-                  <a:schemeClr val="tx2"/>
-                </a:solidFill>
-              </a:rPr>
-              <a:t>Thank you</a:t>
-            </a:r>
+              <a:rPr lang="en-US" sz="2400" b="1" smtClean="0">
+                <a:solidFill>
+                  <a:schemeClr val="bg1"/>
+                </a:solidFill>
+              </a:rPr>
+              <a:t>Phụ lục và tài liệu tham khảo</a:t>
+            </a:r>
+          </a:p>
+        </p:txBody>
+      </p:sp>
+      <p:sp>
+        <p:nvSpPr>
+          <p:cNvPr id="4" name="TextBox 3"/>
+          <p:cNvSpPr txBox="1"/>
+          <p:nvPr/>
+        </p:nvSpPr>
+        <p:spPr>
+          <a:xfrm>
+            <a:off x="304800" y="1295400"/>
+            <a:ext cx="3581400" cy="369332"/>
+          </a:xfrm>
+          <a:prstGeom prst="rect">
+            <a:avLst/>
+          </a:prstGeom>
+          <a:noFill/>
+        </p:spPr>
+        <p:txBody>
+          <a:bodyPr wrap="square" rtlCol="0">
+            <a:spAutoFit/>
+          </a:bodyPr>
+          <a:lstStyle/>
+          <a:p>
+            <a:r>
+              <a:rPr lang="en-US" b="1" smtClean="0">
+                <a:cs typeface="Calibri" panose="020F0502020204030204" pitchFamily="34" charset="0"/>
+              </a:rPr>
+              <a:t>Project:</a:t>
+            </a:r>
+            <a:endParaRPr lang="vi-VN" b="1">
+              <a:cs typeface="Calibri" panose="020F0502020204030204" pitchFamily="34" charset="0"/>
+            </a:endParaRPr>
+          </a:p>
+        </p:txBody>
+      </p:sp>
+      <p:sp>
+        <p:nvSpPr>
+          <p:cNvPr id="7" name="TextBox 6"/>
+          <p:cNvSpPr txBox="1"/>
+          <p:nvPr/>
+        </p:nvSpPr>
+        <p:spPr>
+          <a:xfrm>
+            <a:off x="337457" y="2369582"/>
+            <a:ext cx="3581400" cy="369332"/>
+          </a:xfrm>
+          <a:prstGeom prst="rect">
+            <a:avLst/>
+          </a:prstGeom>
+          <a:noFill/>
+        </p:spPr>
+        <p:txBody>
+          <a:bodyPr wrap="square" rtlCol="0">
+            <a:spAutoFit/>
+          </a:bodyPr>
+          <a:lstStyle/>
+          <a:p>
+            <a:r>
+              <a:rPr lang="en-US" b="1" smtClean="0">
+                <a:cs typeface="Calibri" panose="020F0502020204030204" pitchFamily="34" charset="0"/>
+              </a:rPr>
+              <a:t>Tài liệu tham khảo:</a:t>
+            </a:r>
+            <a:endParaRPr lang="vi-VN" b="1">
+              <a:cs typeface="Calibri" panose="020F0502020204030204" pitchFamily="34" charset="0"/>
+            </a:endParaRPr>
+          </a:p>
+        </p:txBody>
+      </p:sp>
+      <p:sp>
+        <p:nvSpPr>
+          <p:cNvPr id="8" name="TextBox 7"/>
+          <p:cNvSpPr txBox="1"/>
+          <p:nvPr/>
+        </p:nvSpPr>
+        <p:spPr>
+          <a:xfrm>
+            <a:off x="914400" y="1787783"/>
+            <a:ext cx="6618514" cy="369332"/>
+          </a:xfrm>
+          <a:prstGeom prst="rect">
+            <a:avLst/>
+          </a:prstGeom>
+          <a:noFill/>
+        </p:spPr>
+        <p:txBody>
+          <a:bodyPr wrap="square" rtlCol="0">
+            <a:spAutoFit/>
+          </a:bodyPr>
+          <a:lstStyle/>
+          <a:p>
+            <a:r>
+              <a:rPr lang="vi-VN" u="sng">
+                <a:latin typeface="Calibri" panose="020F0502020204030204" pitchFamily="34" charset="0"/>
+                <a:cs typeface="Calibri" panose="020F0502020204030204" pitchFamily="34" charset="0"/>
+                <a:hlinkClick r:id="rId3"/>
+              </a:rPr>
+              <a:t>https://github.com/TrinhVanHieu/DoAn2018_EVDict</a:t>
+            </a:r>
+            <a:endParaRPr lang="vi-VN">
+              <a:latin typeface="Calibri" panose="020F0502020204030204" pitchFamily="34" charset="0"/>
+              <a:cs typeface="Calibri" panose="020F0502020204030204" pitchFamily="34" charset="0"/>
+            </a:endParaRPr>
+          </a:p>
+        </p:txBody>
+      </p:sp>
+      <p:sp>
+        <p:nvSpPr>
+          <p:cNvPr id="9" name="TextBox 8"/>
+          <p:cNvSpPr txBox="1"/>
+          <p:nvPr/>
+        </p:nvSpPr>
+        <p:spPr>
+          <a:xfrm>
+            <a:off x="914400" y="2895600"/>
+            <a:ext cx="7696200" cy="1754326"/>
+          </a:xfrm>
+          <a:prstGeom prst="rect">
+            <a:avLst/>
+          </a:prstGeom>
+          <a:noFill/>
+        </p:spPr>
+        <p:txBody>
+          <a:bodyPr wrap="square" rtlCol="0">
+            <a:spAutoFit/>
+          </a:bodyPr>
+          <a:lstStyle/>
+          <a:p>
+            <a:pPr marL="285750" lvl="0" indent="-285750">
+              <a:buFont typeface="Arial" panose="020B0604020202020204" pitchFamily="34" charset="0"/>
+              <a:buChar char="•"/>
+            </a:pPr>
+            <a:r>
+              <a:rPr lang="vi-VN">
+                <a:latin typeface="Calibri" panose="020F0502020204030204" pitchFamily="34" charset="0"/>
+                <a:cs typeface="Calibri" panose="020F0502020204030204" pitchFamily="34" charset="0"/>
+              </a:rPr>
+              <a:t>Kỹ thuật lập trình C cơ bản và nâng cao, GS. Phạm Văn Ất, Giao thông vận tải, 2015, 430 trang</a:t>
+            </a:r>
+            <a:r>
+              <a:rPr lang="vi-VN" smtClean="0">
+                <a:latin typeface="Calibri" panose="020F0502020204030204" pitchFamily="34" charset="0"/>
+                <a:cs typeface="Calibri" panose="020F0502020204030204" pitchFamily="34" charset="0"/>
+              </a:rPr>
+              <a:t>.</a:t>
+            </a:r>
+          </a:p>
+          <a:p>
+            <a:pPr marL="285750" lvl="0" indent="-285750">
+              <a:buFont typeface="Arial" panose="020B0604020202020204" pitchFamily="34" charset="0"/>
+              <a:buChar char="•"/>
+            </a:pPr>
+            <a:r>
+              <a:rPr lang="vi-VN">
+                <a:latin typeface="Calibri" panose="020F0502020204030204" pitchFamily="34" charset="0"/>
+                <a:cs typeface="Calibri" panose="020F0502020204030204" pitchFamily="34" charset="0"/>
+              </a:rPr>
+              <a:t>Lập trình WIN32 API qua ví dụ minh họa, Vũ Hồng Việt, Vncoding.net, 2014, 51 trang</a:t>
+            </a:r>
+            <a:endParaRPr lang="vi-VN" smtClean="0">
+              <a:latin typeface="Calibri" panose="020F0502020204030204" pitchFamily="34" charset="0"/>
+              <a:cs typeface="Calibri" panose="020F0502020204030204" pitchFamily="34" charset="0"/>
+            </a:endParaRPr>
+          </a:p>
+          <a:p>
+            <a:pPr marL="285750" indent="-285750">
+              <a:buFont typeface="Arial" panose="020B0604020202020204" pitchFamily="34" charset="0"/>
+              <a:buChar char="•"/>
+            </a:pPr>
+            <a:r>
+              <a:rPr lang="en-US">
+                <a:latin typeface="Calibri" panose="020F0502020204030204" pitchFamily="34" charset="0"/>
+                <a:cs typeface="Calibri" panose="020F0502020204030204" pitchFamily="34" charset="0"/>
+              </a:rPr>
+              <a:t>The C++ Programming Language, Bjarne Stroustrup, Addsion – Wesley, 1997, 1022 pages</a:t>
+            </a:r>
+            <a:r>
+              <a:rPr lang="en-US" smtClean="0">
+                <a:latin typeface="Calibri" panose="020F0502020204030204" pitchFamily="34" charset="0"/>
+                <a:cs typeface="Calibri" panose="020F0502020204030204" pitchFamily="34" charset="0"/>
+              </a:rPr>
+              <a:t>.</a:t>
+            </a:r>
+            <a:endParaRPr lang="vi-VN">
+              <a:latin typeface="Calibri" panose="020F0502020204030204" pitchFamily="34" charset="0"/>
+              <a:cs typeface="Calibri" panose="020F0502020204030204" pitchFamily="34" charset="0"/>
+            </a:endParaRPr>
           </a:p>
         </p:txBody>
       </p:sp>
@@ -15268,6 +15900,129 @@
             <a:fld id="{A3A973BD-8CE5-47C4-B8E5-573200B24DAB}" type="slidenum">
               <a:rPr lang="en-US" sz="2000" smtClean="0"/>
               <a:t>31</a:t>
+            </a:fld>
+            <a:endParaRPr lang="en-US" sz="2000"/>
+          </a:p>
+        </p:txBody>
+      </p:sp>
+    </p:spTree>
+    <p:extLst>
+      <p:ext uri="{BB962C8B-B14F-4D97-AF65-F5344CB8AC3E}">
+        <p14:creationId xmlns:p14="http://schemas.microsoft.com/office/powerpoint/2010/main" val="1723002410"/>
+      </p:ext>
+    </p:extLst>
+  </p:cSld>
+  <p:clrMapOvr>
+    <a:masterClrMapping/>
+  </p:clrMapOvr>
+  <p:timing>
+    <p:tnLst>
+      <p:par>
+        <p:cTn id="1" dur="indefinite" restart="never" nodeType="tmRoot"/>
+      </p:par>
+    </p:tnLst>
+  </p:timing>
+</p:sld>
+</file>
+
+<file path=ppt/slides/slide32.xml><?xml version="1.0" encoding="utf-8"?>
+<p:sld xmlns:a="http://schemas.openxmlformats.org/drawingml/2006/main" xmlns:r="http://schemas.openxmlformats.org/officeDocument/2006/relationships" xmlns:p="http://schemas.openxmlformats.org/presentationml/2006/main">
+  <p:cSld>
+    <p:spTree>
+      <p:nvGrpSpPr>
+        <p:cNvPr id="1" name=""/>
+        <p:cNvGrpSpPr/>
+        <p:nvPr/>
+      </p:nvGrpSpPr>
+      <p:grpSpPr>
+        <a:xfrm>
+          <a:off x="0" y="0"/>
+          <a:ext cx="0" cy="0"/>
+          <a:chOff x="0" y="0"/>
+          <a:chExt cx="0" cy="0"/>
+        </a:xfrm>
+      </p:grpSpPr>
+      <p:pic>
+        <p:nvPicPr>
+          <p:cNvPr id="7" name="Picture 6"/>
+          <p:cNvPicPr>
+            <a:picLocks noChangeAspect="1"/>
+          </p:cNvPicPr>
+          <p:nvPr/>
+        </p:nvPicPr>
+        <p:blipFill>
+          <a:blip r:embed="rId2" cstate="print">
+            <a:extLst>
+              <a:ext uri="{28A0092B-C50C-407E-A947-70E740481C1C}">
+                <a14:useLocalDpi xmlns:a14="http://schemas.microsoft.com/office/drawing/2010/main" val="0"/>
+              </a:ext>
+            </a:extLst>
+          </a:blip>
+          <a:stretch>
+            <a:fillRect/>
+          </a:stretch>
+        </p:blipFill>
+        <p:spPr>
+          <a:xfrm>
+            <a:off x="0" y="0"/>
+            <a:ext cx="9144000" cy="6858000"/>
+          </a:xfrm>
+          <a:prstGeom prst="rect">
+            <a:avLst/>
+          </a:prstGeom>
+        </p:spPr>
+      </p:pic>
+      <p:sp>
+        <p:nvSpPr>
+          <p:cNvPr id="5" name="TextBox 4"/>
+          <p:cNvSpPr txBox="1"/>
+          <p:nvPr/>
+        </p:nvSpPr>
+        <p:spPr>
+          <a:xfrm>
+            <a:off x="1981200" y="2667000"/>
+            <a:ext cx="4191000" cy="830997"/>
+          </a:xfrm>
+          <a:prstGeom prst="rect">
+            <a:avLst/>
+          </a:prstGeom>
+          <a:noFill/>
+        </p:spPr>
+        <p:txBody>
+          <a:bodyPr wrap="square" rtlCol="0">
+            <a:spAutoFit/>
+          </a:bodyPr>
+          <a:lstStyle/>
+          <a:p>
+            <a:r>
+              <a:rPr lang="en-US" sz="4800" b="1" i="1" smtClean="0">
+                <a:solidFill>
+                  <a:schemeClr val="tx2"/>
+                </a:solidFill>
+              </a:rPr>
+              <a:t>Thank you</a:t>
+            </a:r>
+          </a:p>
+        </p:txBody>
+      </p:sp>
+      <p:sp>
+        <p:nvSpPr>
+          <p:cNvPr id="2" name="Slide Number Placeholder 1"/>
+          <p:cNvSpPr>
+            <a:spLocks noGrp="1"/>
+          </p:cNvSpPr>
+          <p:nvPr>
+            <p:ph type="sldNum" sz="quarter" idx="12"/>
+          </p:nvPr>
+        </p:nvSpPr>
+        <p:spPr/>
+        <p:txBody>
+          <a:bodyPr/>
+          <a:lstStyle/>
+          <a:p>
+            <a:fld id="{A3A973BD-8CE5-47C4-B8E5-573200B24DAB}" type="slidenum">
+              <a:rPr lang="en-US" sz="2000" smtClean="0"/>
+              <a:t>32</a:t>
             </a:fld>
             <a:endParaRPr lang="en-US" sz="2000"/>
           </a:p>
@@ -15381,7 +16136,7 @@
         </p:nvSpPr>
         <p:spPr>
           <a:xfrm>
-            <a:off x="609600" y="1676400"/>
+            <a:off x="923925" y="1981716"/>
             <a:ext cx="4191000" cy="369332"/>
           </a:xfrm>
           <a:prstGeom prst="rect">
@@ -15395,6 +16150,10 @@
           </a:bodyPr>
           <a:lstStyle/>
           <a:p>
+            <a:pPr marL="285750" indent="-285750">
+              <a:buFont typeface="Arial" panose="020B0604020202020204" pitchFamily="34" charset="0"/>
+              <a:buChar char="•"/>
+            </a:pPr>
             <a:r>
               <a:rPr lang="en-US"/>
               <a:t>H</a:t>
@@ -15415,7 +16174,7 @@
         </p:nvSpPr>
         <p:spPr>
           <a:xfrm>
-            <a:off x="609600" y="2258199"/>
+            <a:off x="923925" y="2505849"/>
             <a:ext cx="4191000" cy="369332"/>
           </a:xfrm>
           <a:prstGeom prst="rect">
@@ -15429,6 +16188,10 @@
           </a:bodyPr>
           <a:lstStyle/>
           <a:p>
+            <a:pPr marL="285750" indent="-285750">
+              <a:buFont typeface="Arial" panose="020B0604020202020204" pitchFamily="34" charset="0"/>
+              <a:buChar char="•"/>
+            </a:pPr>
             <a:r>
               <a:rPr lang="en-US" smtClean="0"/>
               <a:t>Rút ngắn thời gian tra cứu từ </a:t>
@@ -15445,7 +16208,7 @@
         </p:nvSpPr>
         <p:spPr>
           <a:xfrm>
-            <a:off x="685800" y="2939534"/>
+            <a:off x="838200" y="3178433"/>
             <a:ext cx="457200" cy="152400"/>
           </a:xfrm>
           <a:prstGeom prst="rightArrow">
@@ -15483,7 +16246,7 @@
         </p:nvSpPr>
         <p:spPr>
           <a:xfrm>
-            <a:off x="1369894" y="2831068"/>
+            <a:off x="1369894" y="3069967"/>
             <a:ext cx="4191000" cy="369332"/>
           </a:xfrm>
           <a:prstGeom prst="rect">
@@ -15499,7 +16262,15 @@
           <a:p>
             <a:r>
               <a:rPr lang="en-US" smtClean="0"/>
-              <a:t>Hiệu quả cao hơn.</a:t>
+              <a:t>Nâng cao năng suất và h</a:t>
+            </a:r>
+            <a:r>
+              <a:rPr lang="en-US" smtClean="0"/>
+              <a:t>iệu </a:t>
+            </a:r>
+            <a:r>
+              <a:rPr lang="en-US" smtClean="0"/>
+              <a:t>quả cao hơn.</a:t>
             </a:r>
             <a:endParaRPr lang="en-US"/>
           </a:p>
@@ -15525,6 +16296,96 @@
               <a:t>4</a:t>
             </a:fld>
             <a:endParaRPr lang="en-US" sz="2000"/>
+          </a:p>
+        </p:txBody>
+      </p:sp>
+      <p:sp>
+        <p:nvSpPr>
+          <p:cNvPr id="12" name="TextBox 11"/>
+          <p:cNvSpPr txBox="1"/>
+          <p:nvPr/>
+        </p:nvSpPr>
+        <p:spPr>
+          <a:xfrm>
+            <a:off x="604836" y="3613666"/>
+            <a:ext cx="5491163" cy="369332"/>
+          </a:xfrm>
+          <a:prstGeom prst="rect">
+            <a:avLst/>
+          </a:prstGeom>
+          <a:noFill/>
+        </p:spPr>
+        <p:txBody>
+          <a:bodyPr wrap="square" rtlCol="0">
+            <a:spAutoFit/>
+          </a:bodyPr>
+          <a:lstStyle/>
+          <a:p>
+            <a:r>
+              <a:rPr lang="en-US" smtClean="0"/>
+              <a:t>Rèn luyện kỹ năng phân tích, và giải quyết vấn đề</a:t>
+            </a:r>
+            <a:endParaRPr lang="en-US"/>
+          </a:p>
+        </p:txBody>
+      </p:sp>
+      <p:sp>
+        <p:nvSpPr>
+          <p:cNvPr id="16" name="TextBox 15"/>
+          <p:cNvSpPr txBox="1"/>
+          <p:nvPr/>
+        </p:nvSpPr>
+        <p:spPr>
+          <a:xfrm>
+            <a:off x="604836" y="4078069"/>
+            <a:ext cx="6938964" cy="646331"/>
+          </a:xfrm>
+          <a:prstGeom prst="rect">
+            <a:avLst/>
+          </a:prstGeom>
+          <a:noFill/>
+        </p:spPr>
+        <p:txBody>
+          <a:bodyPr wrap="square" rtlCol="0">
+            <a:spAutoFit/>
+          </a:bodyPr>
+          <a:lstStyle/>
+          <a:p>
+            <a:r>
+              <a:rPr lang="en-US" smtClean="0"/>
+              <a:t>Là yếu tố mà các nhà tuyển dụng rất cần ở sinh viên mới ra trường, ví dụ: FPT Software…</a:t>
+            </a:r>
+            <a:endParaRPr lang="en-US"/>
+          </a:p>
+        </p:txBody>
+      </p:sp>
+      <p:sp>
+        <p:nvSpPr>
+          <p:cNvPr id="17" name="TextBox 16"/>
+          <p:cNvSpPr txBox="1"/>
+          <p:nvPr/>
+        </p:nvSpPr>
+        <p:spPr>
+          <a:xfrm>
+            <a:off x="604836" y="1504950"/>
+            <a:ext cx="5491163" cy="369332"/>
+          </a:xfrm>
+          <a:prstGeom prst="rect">
+            <a:avLst/>
+          </a:prstGeom>
+          <a:noFill/>
+        </p:spPr>
+        <p:txBody>
+          <a:bodyPr wrap="square" rtlCol="0">
+            <a:spAutoFit/>
+          </a:bodyPr>
+          <a:lstStyle/>
+          <a:p>
+            <a:r>
+              <a:rPr lang="en-US" smtClean="0"/>
+              <a:t>Tạo ra một ứng dụng giúp:</a:t>
+            </a:r>
+            <a:endParaRPr lang="en-US"/>
           </a:p>
         </p:txBody>
       </p:sp>
@@ -15864,8 +16725,8 @@
           <a:lstStyle/>
           <a:p>
             <a:pPr marL="285750" indent="-285750">
-              <a:buFont typeface="Arial" panose="020B0604020202020204" pitchFamily="34" charset="0"/>
-              <a:buChar char="•"/>
+              <a:buFont typeface="Wingdings" panose="05000000000000000000" pitchFamily="2" charset="2"/>
+              <a:buChar char="Ø"/>
             </a:pPr>
             <a:r>
               <a:rPr lang="en-US" smtClean="0"/>
@@ -15898,12 +16759,16 @@
           <a:lstStyle/>
           <a:p>
             <a:pPr marL="285750" indent="-285750">
-              <a:buFont typeface="Arial" panose="020B0604020202020204" pitchFamily="34" charset="0"/>
-              <a:buChar char="•"/>
+              <a:buFont typeface="Wingdings" panose="05000000000000000000" pitchFamily="2" charset="2"/>
+              <a:buChar char="Ø"/>
             </a:pPr>
             <a:r>
               <a:rPr lang="en-US" smtClean="0"/>
-              <a:t>Các tính năng: đổi chế độ, tra từ, xóa từ, cập nhật từ.</a:t>
+              <a:t>Các tính năng</a:t>
+            </a:r>
+            <a:r>
+              <a:rPr lang="en-US" smtClean="0"/>
+              <a:t>:</a:t>
             </a:r>
             <a:endParaRPr lang="en-US"/>
           </a:p>
@@ -15929,6 +16794,176 @@
               <a:t>6</a:t>
             </a:fld>
             <a:endParaRPr lang="en-US" sz="2000"/>
+          </a:p>
+        </p:txBody>
+      </p:sp>
+      <p:sp>
+        <p:nvSpPr>
+          <p:cNvPr id="8" name="TextBox 7"/>
+          <p:cNvSpPr txBox="1"/>
+          <p:nvPr/>
+        </p:nvSpPr>
+        <p:spPr>
+          <a:xfrm>
+            <a:off x="1143000" y="3158978"/>
+            <a:ext cx="6858000" cy="369332"/>
+          </a:xfrm>
+          <a:prstGeom prst="rect">
+            <a:avLst/>
+          </a:prstGeom>
+          <a:noFill/>
+        </p:spPr>
+        <p:txBody>
+          <a:bodyPr wrap="square" rtlCol="0">
+            <a:spAutoFit/>
+          </a:bodyPr>
+          <a:lstStyle/>
+          <a:p>
+            <a:pPr marL="285750" indent="-285750">
+              <a:buFont typeface="Arial" panose="020B0604020202020204" pitchFamily="34" charset="0"/>
+              <a:buChar char="•"/>
+            </a:pPr>
+            <a:r>
+              <a:rPr lang="en-US" smtClean="0"/>
+              <a:t>Đổi chế độ tra cứu</a:t>
+            </a:r>
+            <a:endParaRPr lang="en-US"/>
+          </a:p>
+        </p:txBody>
+      </p:sp>
+      <p:sp>
+        <p:nvSpPr>
+          <p:cNvPr id="9" name="TextBox 8"/>
+          <p:cNvSpPr txBox="1"/>
+          <p:nvPr/>
+        </p:nvSpPr>
+        <p:spPr>
+          <a:xfrm>
+            <a:off x="1143000" y="3505200"/>
+            <a:ext cx="6858000" cy="369332"/>
+          </a:xfrm>
+          <a:prstGeom prst="rect">
+            <a:avLst/>
+          </a:prstGeom>
+          <a:noFill/>
+        </p:spPr>
+        <p:txBody>
+          <a:bodyPr wrap="square" rtlCol="0">
+            <a:spAutoFit/>
+          </a:bodyPr>
+          <a:lstStyle/>
+          <a:p>
+            <a:pPr marL="285750" indent="-285750">
+              <a:buFont typeface="Arial" panose="020B0604020202020204" pitchFamily="34" charset="0"/>
+              <a:buChar char="•"/>
+            </a:pPr>
+            <a:r>
+              <a:rPr lang="en-US" smtClean="0"/>
+              <a:t>Tìm kiếm từ</a:t>
+            </a:r>
+            <a:endParaRPr lang="en-US"/>
+          </a:p>
+        </p:txBody>
+      </p:sp>
+      <p:sp>
+        <p:nvSpPr>
+          <p:cNvPr id="11" name="TextBox 10"/>
+          <p:cNvSpPr txBox="1"/>
+          <p:nvPr/>
+        </p:nvSpPr>
+        <p:spPr>
+          <a:xfrm>
+            <a:off x="1143000" y="3886200"/>
+            <a:ext cx="6858000" cy="369332"/>
+          </a:xfrm>
+          <a:prstGeom prst="rect">
+            <a:avLst/>
+          </a:prstGeom>
+          <a:noFill/>
+        </p:spPr>
+        <p:txBody>
+          <a:bodyPr wrap="square" rtlCol="0">
+            <a:spAutoFit/>
+          </a:bodyPr>
+          <a:lstStyle/>
+          <a:p>
+            <a:pPr marL="285750" indent="-285750">
+              <a:buFont typeface="Arial" panose="020B0604020202020204" pitchFamily="34" charset="0"/>
+              <a:buChar char="•"/>
+            </a:pPr>
+            <a:r>
+              <a:rPr lang="en-US" smtClean="0"/>
+              <a:t>Cập nhật nghĩa của từ</a:t>
+            </a:r>
+            <a:endParaRPr lang="en-US"/>
+          </a:p>
+        </p:txBody>
+      </p:sp>
+      <p:sp>
+        <p:nvSpPr>
+          <p:cNvPr id="14" name="TextBox 13"/>
+          <p:cNvSpPr txBox="1"/>
+          <p:nvPr/>
+        </p:nvSpPr>
+        <p:spPr>
+          <a:xfrm>
+            <a:off x="1143000" y="4267200"/>
+            <a:ext cx="6858000" cy="369332"/>
+          </a:xfrm>
+          <a:prstGeom prst="rect">
+            <a:avLst/>
+          </a:prstGeom>
+          <a:noFill/>
+        </p:spPr>
+        <p:txBody>
+          <a:bodyPr wrap="square" rtlCol="0">
+            <a:spAutoFit/>
+          </a:bodyPr>
+          <a:lstStyle/>
+          <a:p>
+            <a:pPr marL="285750" indent="-285750">
+              <a:buFont typeface="Arial" panose="020B0604020202020204" pitchFamily="34" charset="0"/>
+              <a:buChar char="•"/>
+            </a:pPr>
+            <a:r>
+              <a:rPr lang="en-US" smtClean="0"/>
+              <a:t>Xóa từ</a:t>
+            </a:r>
+            <a:endParaRPr lang="en-US"/>
+          </a:p>
+        </p:txBody>
+      </p:sp>
+      <p:sp>
+        <p:nvSpPr>
+          <p:cNvPr id="15" name="TextBox 14"/>
+          <p:cNvSpPr txBox="1"/>
+          <p:nvPr/>
+        </p:nvSpPr>
+        <p:spPr>
+          <a:xfrm>
+            <a:off x="1143000" y="4648200"/>
+            <a:ext cx="6858000" cy="369332"/>
+          </a:xfrm>
+          <a:prstGeom prst="rect">
+            <a:avLst/>
+          </a:prstGeom>
+          <a:noFill/>
+        </p:spPr>
+        <p:txBody>
+          <a:bodyPr wrap="square" rtlCol="0">
+            <a:spAutoFit/>
+          </a:bodyPr>
+          <a:lstStyle/>
+          <a:p>
+            <a:pPr marL="285750" indent="-285750">
+              <a:buFont typeface="Arial" panose="020B0604020202020204" pitchFamily="34" charset="0"/>
+              <a:buChar char="•"/>
+            </a:pPr>
+            <a:r>
+              <a:rPr lang="en-US" smtClean="0"/>
+              <a:t>Thêm từ</a:t>
+            </a:r>
+            <a:endParaRPr lang="en-US"/>
           </a:p>
         </p:txBody>
       </p:sp>
@@ -16503,9 +17538,17 @@
           <a:p>
             <a:r>
               <a:rPr lang="en-US" smtClean="0"/>
-              <a:t>Môi trường: Windows Destop Application</a:t>
-            </a:r>
-            <a:endParaRPr lang="en-US"/>
+              <a:t>Môi trường: </a:t>
+            </a:r>
+            <a:r>
+              <a:rPr lang="en-US" b="1" smtClean="0"/>
+              <a:t>Windows Destop </a:t>
+            </a:r>
+            <a:r>
+              <a:rPr lang="en-US" b="1" smtClean="0"/>
+              <a:t>Application (Win32)</a:t>
+            </a:r>
+            <a:endParaRPr lang="en-US" b="1"/>
           </a:p>
         </p:txBody>
       </p:sp>
@@ -16623,7 +17666,7 @@
         </p:blipFill>
         <p:spPr>
           <a:xfrm>
-            <a:off x="3708400" y="1371600"/>
+            <a:off x="3987800" y="1371600"/>
             <a:ext cx="4165600" cy="4786941"/>
           </a:xfrm>
           <a:prstGeom prst="rect">
